--- a/架构.pptx
+++ b/架构.pptx
@@ -6,9 +6,9 @@
   </p:sldMasterIdLst>
   <p:sldIdLst>
     <p:sldId id="258" r:id="rId2"/>
-    <p:sldId id="260" r:id="rId3"/>
-    <p:sldId id="259" r:id="rId4"/>
-    <p:sldId id="257" r:id="rId5"/>
+    <p:sldId id="259" r:id="rId3"/>
+    <p:sldId id="257" r:id="rId4"/>
+    <p:sldId id="260" r:id="rId5"/>
     <p:sldId id="262" r:id="rId6"/>
     <p:sldId id="261" r:id="rId7"/>
     <p:sldId id="256" r:id="rId8"/>
@@ -249,7 +249,7 @@
           <a:p>
             <a:fld id="{235C6D35-9F7A-4917-BD4F-A4B635F86530}" type="datetimeFigureOut">
               <a:rPr lang="zh-CN" altLang="en-US" smtClean="0"/>
-              <a:t>2021/3/13</a:t>
+              <a:t>2021/3/18</a:t>
             </a:fld>
             <a:endParaRPr lang="zh-CN" altLang="en-US"/>
           </a:p>
@@ -419,7 +419,7 @@
           <a:p>
             <a:fld id="{235C6D35-9F7A-4917-BD4F-A4B635F86530}" type="datetimeFigureOut">
               <a:rPr lang="zh-CN" altLang="en-US" smtClean="0"/>
-              <a:t>2021/3/13</a:t>
+              <a:t>2021/3/18</a:t>
             </a:fld>
             <a:endParaRPr lang="zh-CN" altLang="en-US"/>
           </a:p>
@@ -599,7 +599,7 @@
           <a:p>
             <a:fld id="{235C6D35-9F7A-4917-BD4F-A4B635F86530}" type="datetimeFigureOut">
               <a:rPr lang="zh-CN" altLang="en-US" smtClean="0"/>
-              <a:t>2021/3/13</a:t>
+              <a:t>2021/3/18</a:t>
             </a:fld>
             <a:endParaRPr lang="zh-CN" altLang="en-US"/>
           </a:p>
@@ -769,7 +769,7 @@
           <a:p>
             <a:fld id="{235C6D35-9F7A-4917-BD4F-A4B635F86530}" type="datetimeFigureOut">
               <a:rPr lang="zh-CN" altLang="en-US" smtClean="0"/>
-              <a:t>2021/3/13</a:t>
+              <a:t>2021/3/18</a:t>
             </a:fld>
             <a:endParaRPr lang="zh-CN" altLang="en-US"/>
           </a:p>
@@ -1015,7 +1015,7 @@
           <a:p>
             <a:fld id="{235C6D35-9F7A-4917-BD4F-A4B635F86530}" type="datetimeFigureOut">
               <a:rPr lang="zh-CN" altLang="en-US" smtClean="0"/>
-              <a:t>2021/3/13</a:t>
+              <a:t>2021/3/18</a:t>
             </a:fld>
             <a:endParaRPr lang="zh-CN" altLang="en-US"/>
           </a:p>
@@ -1247,7 +1247,7 @@
           <a:p>
             <a:fld id="{235C6D35-9F7A-4917-BD4F-A4B635F86530}" type="datetimeFigureOut">
               <a:rPr lang="zh-CN" altLang="en-US" smtClean="0"/>
-              <a:t>2021/3/13</a:t>
+              <a:t>2021/3/18</a:t>
             </a:fld>
             <a:endParaRPr lang="zh-CN" altLang="en-US"/>
           </a:p>
@@ -1614,7 +1614,7 @@
           <a:p>
             <a:fld id="{235C6D35-9F7A-4917-BD4F-A4B635F86530}" type="datetimeFigureOut">
               <a:rPr lang="zh-CN" altLang="en-US" smtClean="0"/>
-              <a:t>2021/3/13</a:t>
+              <a:t>2021/3/18</a:t>
             </a:fld>
             <a:endParaRPr lang="zh-CN" altLang="en-US"/>
           </a:p>
@@ -1732,7 +1732,7 @@
           <a:p>
             <a:fld id="{235C6D35-9F7A-4917-BD4F-A4B635F86530}" type="datetimeFigureOut">
               <a:rPr lang="zh-CN" altLang="en-US" smtClean="0"/>
-              <a:t>2021/3/13</a:t>
+              <a:t>2021/3/18</a:t>
             </a:fld>
             <a:endParaRPr lang="zh-CN" altLang="en-US"/>
           </a:p>
@@ -1827,7 +1827,7 @@
           <a:p>
             <a:fld id="{235C6D35-9F7A-4917-BD4F-A4B635F86530}" type="datetimeFigureOut">
               <a:rPr lang="zh-CN" altLang="en-US" smtClean="0"/>
-              <a:t>2021/3/13</a:t>
+              <a:t>2021/3/18</a:t>
             </a:fld>
             <a:endParaRPr lang="zh-CN" altLang="en-US"/>
           </a:p>
@@ -2104,7 +2104,7 @@
           <a:p>
             <a:fld id="{235C6D35-9F7A-4917-BD4F-A4B635F86530}" type="datetimeFigureOut">
               <a:rPr lang="zh-CN" altLang="en-US" smtClean="0"/>
-              <a:t>2021/3/13</a:t>
+              <a:t>2021/3/18</a:t>
             </a:fld>
             <a:endParaRPr lang="zh-CN" altLang="en-US"/>
           </a:p>
@@ -2357,7 +2357,7 @@
           <a:p>
             <a:fld id="{235C6D35-9F7A-4917-BD4F-A4B635F86530}" type="datetimeFigureOut">
               <a:rPr lang="zh-CN" altLang="en-US" smtClean="0"/>
-              <a:t>2021/3/13</a:t>
+              <a:t>2021/3/18</a:t>
             </a:fld>
             <a:endParaRPr lang="zh-CN" altLang="en-US"/>
           </a:p>
@@ -2570,7 +2570,7 @@
           <a:p>
             <a:fld id="{235C6D35-9F7A-4917-BD4F-A4B635F86530}" type="datetimeFigureOut">
               <a:rPr lang="zh-CN" altLang="en-US" smtClean="0"/>
-              <a:t>2021/3/13</a:t>
+              <a:t>2021/3/18</a:t>
             </a:fld>
             <a:endParaRPr lang="zh-CN" altLang="en-US"/>
           </a:p>
@@ -4366,58 +4366,16 @@
       </p:grpSpPr>
       <p:sp>
         <p:nvSpPr>
-          <p:cNvPr id="6" name="矩形 5"/>
+          <p:cNvPr id="25" name="矩形 24"/>
           <p:cNvSpPr/>
           <p:nvPr/>
         </p:nvSpPr>
         <p:spPr>
           <a:xfrm>
-            <a:off x="0" y="0"/>
-            <a:ext cx="1609859" cy="714777"/>
+            <a:off x="10633656" y="1083562"/>
+            <a:ext cx="1558344" cy="753414"/>
           </a:xfrm>
           <a:prstGeom prst="rect">
-            <a:avLst/>
-          </a:prstGeom>
-        </p:spPr>
-        <p:style>
-          <a:lnRef idx="0">
-            <a:schemeClr val="accent2"/>
-          </a:lnRef>
-          <a:fillRef idx="3">
-            <a:schemeClr val="accent2"/>
-          </a:fillRef>
-          <a:effectRef idx="3">
-            <a:schemeClr val="accent2"/>
-          </a:effectRef>
-          <a:fontRef idx="minor">
-            <a:schemeClr val="lt1"/>
-          </a:fontRef>
-        </p:style>
-        <p:txBody>
-          <a:bodyPr rtlCol="0" anchor="ctr"/>
-          <a:lstStyle/>
-          <a:p>
-            <a:pPr algn="ctr"/>
-            <a:r>
-              <a:rPr lang="en-US" altLang="zh-CN" dirty="0" smtClean="0"/>
-              <a:t>GUI</a:t>
-            </a:r>
-            <a:endParaRPr lang="zh-CN" altLang="en-US" dirty="0"/>
-          </a:p>
-        </p:txBody>
-      </p:sp>
-      <p:sp>
-        <p:nvSpPr>
-          <p:cNvPr id="5" name="流程图: 可选过程 4"/>
-          <p:cNvSpPr/>
-          <p:nvPr/>
-        </p:nvSpPr>
-        <p:spPr>
-          <a:xfrm>
-            <a:off x="0" y="2273115"/>
-            <a:ext cx="2157211" cy="907963"/>
-          </a:xfrm>
-          <a:prstGeom prst="flowChartAlternateProcess">
             <a:avLst/>
           </a:prstGeom>
         </p:spPr>
@@ -4444,18 +4402,7 @@
             <a:pPr algn="ctr"/>
             <a:r>
               <a:rPr lang="en-US" altLang="zh-CN" dirty="0" smtClean="0"/>
-              <a:t>C++</a:t>
-            </a:r>
-          </a:p>
-          <a:p>
-            <a:pPr algn="ctr"/>
-            <a:r>
-              <a:rPr lang="en-US" altLang="zh-CN" dirty="0" err="1" smtClean="0"/>
-              <a:t>GUI.onRender</a:t>
-            </a:r>
-            <a:r>
-              <a:rPr lang="en-US" altLang="zh-CN" dirty="0" smtClean="0"/>
-              <a:t>()</a:t>
+              <a:t>Level</a:t>
             </a:r>
             <a:endParaRPr lang="zh-CN" altLang="en-US" dirty="0"/>
           </a:p>
@@ -4463,16 +4410,16 @@
       </p:sp>
       <p:sp>
         <p:nvSpPr>
-          <p:cNvPr id="7" name="流程图: 可选过程 6"/>
+          <p:cNvPr id="22" name="矩形 21"/>
           <p:cNvSpPr/>
           <p:nvPr/>
         </p:nvSpPr>
         <p:spPr>
           <a:xfrm>
-            <a:off x="5082862" y="2273118"/>
-            <a:ext cx="2157211" cy="907961"/>
-          </a:xfrm>
-          <a:prstGeom prst="flowChartAlternateProcess">
+            <a:off x="0" y="2274258"/>
+            <a:ext cx="1558344" cy="753414"/>
+          </a:xfrm>
+          <a:prstGeom prst="rect">
             <a:avLst/>
           </a:prstGeom>
         </p:spPr>
@@ -4499,113 +4446,24 @@
             <a:pPr algn="ctr"/>
             <a:r>
               <a:rPr lang="en-US" altLang="zh-CN" dirty="0" smtClean="0"/>
-              <a:t>C#</a:t>
-            </a:r>
-          </a:p>
-          <a:p>
-            <a:pPr algn="ctr"/>
-            <a:r>
-              <a:rPr lang="en-US" altLang="zh-CN" dirty="0" err="1" smtClean="0"/>
-              <a:t>GUI.onRender</a:t>
-            </a:r>
-            <a:r>
-              <a:rPr lang="en-US" altLang="zh-CN" dirty="0" smtClean="0"/>
-              <a:t>()</a:t>
+              <a:t>Editor</a:t>
             </a:r>
             <a:endParaRPr lang="zh-CN" altLang="en-US" dirty="0"/>
           </a:p>
         </p:txBody>
       </p:sp>
-      <p:cxnSp>
-        <p:nvCxnSpPr>
-          <p:cNvPr id="9" name="直接箭头连接符 8"/>
-          <p:cNvCxnSpPr>
-            <a:stCxn id="5" idx="3"/>
-            <a:endCxn id="7" idx="1"/>
-          </p:cNvCxnSpPr>
-          <p:nvPr/>
-        </p:nvCxnSpPr>
-        <p:spPr>
-          <a:xfrm>
-            <a:off x="2157211" y="2727097"/>
-            <a:ext cx="2925651" cy="2"/>
-          </a:xfrm>
-          <a:prstGeom prst="straightConnector1">
-            <a:avLst/>
-          </a:prstGeom>
-          <a:ln>
-            <a:tailEnd type="triangle"/>
-          </a:ln>
-        </p:spPr>
-        <p:style>
-          <a:lnRef idx="1">
-            <a:schemeClr val="accent1"/>
-          </a:lnRef>
-          <a:fillRef idx="0">
-            <a:schemeClr val="accent1"/>
-          </a:fillRef>
-          <a:effectRef idx="0">
-            <a:schemeClr val="accent1"/>
-          </a:effectRef>
-          <a:fontRef idx="minor">
-            <a:schemeClr val="tx1"/>
-          </a:fontRef>
-        </p:style>
-      </p:cxnSp>
-      <p:sp>
-        <p:nvSpPr>
-          <p:cNvPr id="11" name="流程图: 可选过程 10"/>
+      <p:sp>
+        <p:nvSpPr>
+          <p:cNvPr id="26" name="矩形 25"/>
           <p:cNvSpPr/>
           <p:nvPr/>
         </p:nvSpPr>
         <p:spPr>
           <a:xfrm>
-            <a:off x="3015802" y="2616552"/>
-            <a:ext cx="880058" cy="221090"/>
-          </a:xfrm>
-          <a:prstGeom prst="flowChartAlternateProcess">
-            <a:avLst/>
-          </a:prstGeom>
-        </p:spPr>
-        <p:style>
-          <a:lnRef idx="2">
-            <a:schemeClr val="dk1"/>
-          </a:lnRef>
-          <a:fillRef idx="1">
-            <a:schemeClr val="lt1"/>
-          </a:fillRef>
-          <a:effectRef idx="0">
-            <a:schemeClr val="dk1"/>
-          </a:effectRef>
-          <a:fontRef idx="minor">
-            <a:schemeClr val="dk1"/>
-          </a:fontRef>
-        </p:style>
-        <p:txBody>
-          <a:bodyPr rtlCol="0" anchor="ctr"/>
-          <a:lstStyle/>
-          <a:p>
-            <a:pPr algn="ctr"/>
-            <a:r>
-              <a:rPr lang="en-US" altLang="zh-CN" dirty="0" smtClean="0"/>
-              <a:t>invoke</a:t>
-            </a:r>
-            <a:endParaRPr lang="zh-CN" altLang="en-US" dirty="0"/>
-          </a:p>
-        </p:txBody>
-      </p:sp>
-      <p:sp>
-        <p:nvSpPr>
-          <p:cNvPr id="14" name="流程图: 可选过程 13"/>
-          <p:cNvSpPr/>
-          <p:nvPr/>
-        </p:nvSpPr>
-        <p:spPr>
-          <a:xfrm>
-            <a:off x="10034789" y="2273118"/>
-            <a:ext cx="2157211" cy="907961"/>
-          </a:xfrm>
-          <a:prstGeom prst="flowChartAlternateProcess">
+            <a:off x="10633656" y="2220123"/>
+            <a:ext cx="1558344" cy="753414"/>
+          </a:xfrm>
+          <a:prstGeom prst="rect">
             <a:avLst/>
           </a:prstGeom>
         </p:spPr>
@@ -4632,116 +4490,24 @@
             <a:pPr algn="ctr"/>
             <a:r>
               <a:rPr lang="en-US" altLang="zh-CN" dirty="0" smtClean="0"/>
-              <a:t>C++</a:t>
-            </a:r>
-          </a:p>
-          <a:p>
-            <a:pPr algn="ctr"/>
-            <a:r>
-              <a:rPr lang="en-US" altLang="zh-CN" dirty="0" smtClean="0"/>
-              <a:t>Everything</a:t>
+              <a:t>Actor</a:t>
             </a:r>
             <a:endParaRPr lang="zh-CN" altLang="en-US" dirty="0"/>
           </a:p>
         </p:txBody>
       </p:sp>
-      <p:cxnSp>
-        <p:nvCxnSpPr>
-          <p:cNvPr id="16" name="直接箭头连接符 15"/>
-          <p:cNvCxnSpPr>
-            <a:stCxn id="7" idx="3"/>
-            <a:endCxn id="14" idx="1"/>
-          </p:cNvCxnSpPr>
-          <p:nvPr/>
-        </p:nvCxnSpPr>
-        <p:spPr>
-          <a:xfrm>
-            <a:off x="7240073" y="2727099"/>
-            <a:ext cx="2794716" cy="0"/>
-          </a:xfrm>
-          <a:prstGeom prst="straightConnector1">
-            <a:avLst/>
-          </a:prstGeom>
-          <a:ln>
-            <a:tailEnd type="triangle"/>
-          </a:ln>
-        </p:spPr>
-        <p:style>
-          <a:lnRef idx="1">
-            <a:schemeClr val="accent1"/>
-          </a:lnRef>
-          <a:fillRef idx="0">
-            <a:schemeClr val="accent1"/>
-          </a:fillRef>
-          <a:effectRef idx="0">
-            <a:schemeClr val="accent1"/>
-          </a:effectRef>
-          <a:fontRef idx="minor">
-            <a:schemeClr val="tx1"/>
-          </a:fontRef>
-        </p:style>
-      </p:cxnSp>
-      <p:sp>
-        <p:nvSpPr>
-          <p:cNvPr id="15" name="流程图: 可选过程 14"/>
+      <p:sp>
+        <p:nvSpPr>
+          <p:cNvPr id="28" name="矩形 27"/>
           <p:cNvSpPr/>
           <p:nvPr/>
         </p:nvSpPr>
         <p:spPr>
           <a:xfrm>
-            <a:off x="8060029" y="2338586"/>
-            <a:ext cx="1217055" cy="777022"/>
-          </a:xfrm>
-          <a:prstGeom prst="flowChartAlternateProcess">
-            <a:avLst/>
-          </a:prstGeom>
-        </p:spPr>
-        <p:style>
-          <a:lnRef idx="2">
-            <a:schemeClr val="dk1"/>
-          </a:lnRef>
-          <a:fillRef idx="1">
-            <a:schemeClr val="lt1"/>
-          </a:fillRef>
-          <a:effectRef idx="0">
-            <a:schemeClr val="dk1"/>
-          </a:effectRef>
-          <a:fontRef idx="minor">
-            <a:schemeClr val="dk1"/>
-          </a:fontRef>
-        </p:style>
-        <p:txBody>
-          <a:bodyPr rtlCol="0" anchor="ctr"/>
-          <a:lstStyle/>
-          <a:p>
-            <a:pPr algn="ctr"/>
-            <a:r>
-              <a:rPr lang="en-US" altLang="zh-CN" dirty="0" smtClean="0"/>
-              <a:t>read info and </a:t>
-            </a:r>
-          </a:p>
-          <a:p>
-            <a:pPr algn="ctr"/>
-            <a:r>
-              <a:rPr lang="en-US" altLang="zh-CN" dirty="0" smtClean="0"/>
-              <a:t>invoke</a:t>
-            </a:r>
-            <a:endParaRPr lang="zh-CN" altLang="en-US" dirty="0"/>
-          </a:p>
-        </p:txBody>
-      </p:sp>
-      <p:sp>
-        <p:nvSpPr>
-          <p:cNvPr id="28" name="流程图: 可选过程 27"/>
-          <p:cNvSpPr/>
-          <p:nvPr/>
-        </p:nvSpPr>
-        <p:spPr>
-          <a:xfrm>
-            <a:off x="5082862" y="4466820"/>
-            <a:ext cx="2157211" cy="907961"/>
-          </a:xfrm>
-          <a:prstGeom prst="flowChartAlternateProcess">
+            <a:off x="10633656" y="6101028"/>
+            <a:ext cx="1558344" cy="753414"/>
+          </a:xfrm>
+          <a:prstGeom prst="rect">
             <a:avLst/>
           </a:prstGeom>
         </p:spPr>
@@ -4768,7 +4534,95 @@
             <a:pPr algn="ctr"/>
             <a:r>
               <a:rPr lang="en-US" altLang="zh-CN" dirty="0" smtClean="0"/>
-              <a:t>files</a:t>
+              <a:t>……</a:t>
+            </a:r>
+            <a:endParaRPr lang="zh-CN" altLang="en-US" dirty="0"/>
+          </a:p>
+        </p:txBody>
+      </p:sp>
+      <p:sp>
+        <p:nvSpPr>
+          <p:cNvPr id="36" name="矩形 35"/>
+          <p:cNvSpPr/>
+          <p:nvPr/>
+        </p:nvSpPr>
+        <p:spPr>
+          <a:xfrm>
+            <a:off x="5067837" y="2184055"/>
+            <a:ext cx="1558344" cy="726448"/>
+          </a:xfrm>
+          <a:prstGeom prst="rect">
+            <a:avLst/>
+          </a:prstGeom>
+        </p:spPr>
+        <p:style>
+          <a:lnRef idx="2">
+            <a:schemeClr val="accent1">
+              <a:shade val="50000"/>
+            </a:schemeClr>
+          </a:lnRef>
+          <a:fillRef idx="1">
+            <a:schemeClr val="accent1"/>
+          </a:fillRef>
+          <a:effectRef idx="0">
+            <a:schemeClr val="accent1"/>
+          </a:effectRef>
+          <a:fontRef idx="minor">
+            <a:schemeClr val="lt1"/>
+          </a:fontRef>
+        </p:style>
+        <p:txBody>
+          <a:bodyPr rtlCol="0" anchor="ctr"/>
+          <a:lstStyle/>
+          <a:p>
+            <a:pPr algn="ctr"/>
+            <a:r>
+              <a:rPr lang="en-US" altLang="zh-CN" dirty="0" smtClean="0"/>
+              <a:t>AI</a:t>
+            </a:r>
+            <a:endParaRPr lang="zh-CN" altLang="en-US" dirty="0"/>
+          </a:p>
+        </p:txBody>
+      </p:sp>
+      <p:sp>
+        <p:nvSpPr>
+          <p:cNvPr id="41" name="矩形 40"/>
+          <p:cNvSpPr/>
+          <p:nvPr/>
+        </p:nvSpPr>
+        <p:spPr>
+          <a:xfrm>
+            <a:off x="25757" y="4587760"/>
+            <a:ext cx="1558344" cy="753414"/>
+          </a:xfrm>
+          <a:prstGeom prst="rect">
+            <a:avLst/>
+          </a:prstGeom>
+        </p:spPr>
+        <p:style>
+          <a:lnRef idx="2">
+            <a:schemeClr val="accent1">
+              <a:shade val="50000"/>
+            </a:schemeClr>
+          </a:lnRef>
+          <a:fillRef idx="1">
+            <a:schemeClr val="accent1"/>
+          </a:fillRef>
+          <a:effectRef idx="0">
+            <a:schemeClr val="accent1"/>
+          </a:effectRef>
+          <a:fontRef idx="minor">
+            <a:schemeClr val="lt1"/>
+          </a:fontRef>
+        </p:style>
+        <p:txBody>
+          <a:bodyPr rtlCol="0" anchor="ctr"/>
+          <a:lstStyle/>
+          <a:p>
+            <a:pPr algn="ctr"/>
+            <a:r>
+              <a:rPr lang="en-US" altLang="zh-CN" dirty="0" smtClean="0"/>
+              <a:t>Controller</a:t>
             </a:r>
             <a:endParaRPr lang="zh-CN" altLang="en-US" dirty="0"/>
           </a:p>
@@ -4776,17 +4630,17 @@
       </p:sp>
       <p:cxnSp>
         <p:nvCxnSpPr>
-          <p:cNvPr id="29" name="直接箭头连接符 28"/>
+          <p:cNvPr id="42" name="直接箭头连接符 41"/>
           <p:cNvCxnSpPr>
-            <a:stCxn id="7" idx="2"/>
-            <a:endCxn id="28" idx="0"/>
+            <a:stCxn id="22" idx="2"/>
+            <a:endCxn id="41" idx="0"/>
           </p:cNvCxnSpPr>
           <p:nvPr/>
         </p:nvCxnSpPr>
         <p:spPr>
           <a:xfrm>
-            <a:off x="6161468" y="3181079"/>
-            <a:ext cx="0" cy="1285741"/>
+            <a:off x="779172" y="3027672"/>
+            <a:ext cx="25757" cy="1560088"/>
           </a:xfrm>
           <a:prstGeom prst="straightConnector1">
             <a:avLst/>
@@ -4812,28 +4666,356 @@
       </p:cxnSp>
       <p:sp>
         <p:nvSpPr>
-          <p:cNvPr id="32" name="流程图: 可选过程 31"/>
+          <p:cNvPr id="45" name="圆角矩形 44"/>
           <p:cNvSpPr/>
           <p:nvPr/>
         </p:nvSpPr>
         <p:spPr>
           <a:xfrm>
-            <a:off x="5721439" y="3526658"/>
-            <a:ext cx="880058" cy="562382"/>
-          </a:xfrm>
-          <a:prstGeom prst="flowChartAlternateProcess">
-            <a:avLst/>
-          </a:prstGeom>
+            <a:off x="360607" y="3539329"/>
+            <a:ext cx="862885" cy="194792"/>
+          </a:xfrm>
+          <a:prstGeom prst="roundRect">
+            <a:avLst/>
+          </a:prstGeom>
+          <a:ln>
+            <a:solidFill>
+              <a:srgbClr val="00B0F0"/>
+            </a:solidFill>
+          </a:ln>
         </p:spPr>
         <p:style>
           <a:lnRef idx="2">
-            <a:schemeClr val="dk1"/>
+            <a:schemeClr val="accent6"/>
           </a:lnRef>
           <a:fillRef idx="1">
             <a:schemeClr val="lt1"/>
           </a:fillRef>
           <a:effectRef idx="0">
+            <a:schemeClr val="accent6"/>
+          </a:effectRef>
+          <a:fontRef idx="minor">
             <a:schemeClr val="dk1"/>
+          </a:fontRef>
+        </p:style>
+        <p:txBody>
+          <a:bodyPr rtlCol="0" anchor="ctr"/>
+          <a:lstStyle/>
+          <a:p>
+            <a:pPr algn="ctr"/>
+            <a:r>
+              <a:rPr lang="en-US" altLang="zh-CN" dirty="0" smtClean="0"/>
+              <a:t>derive</a:t>
+            </a:r>
+            <a:endParaRPr lang="zh-CN" altLang="en-US" dirty="0"/>
+          </a:p>
+        </p:txBody>
+      </p:sp>
+      <p:cxnSp>
+        <p:nvCxnSpPr>
+          <p:cNvPr id="46" name="直接箭头连接符 45"/>
+          <p:cNvCxnSpPr>
+            <a:stCxn id="36" idx="1"/>
+            <a:endCxn id="41" idx="0"/>
+          </p:cNvCxnSpPr>
+          <p:nvPr/>
+        </p:nvCxnSpPr>
+        <p:spPr>
+          <a:xfrm flipH="1">
+            <a:off x="804929" y="2547279"/>
+            <a:ext cx="4262908" cy="2040481"/>
+          </a:xfrm>
+          <a:prstGeom prst="straightConnector1">
+            <a:avLst/>
+          </a:prstGeom>
+          <a:ln>
+            <a:solidFill>
+              <a:srgbClr val="00B050"/>
+            </a:solidFill>
+            <a:tailEnd type="triangle"/>
+          </a:ln>
+        </p:spPr>
+        <p:style>
+          <a:lnRef idx="1">
+            <a:schemeClr val="accent1"/>
+          </a:lnRef>
+          <a:fillRef idx="0">
+            <a:schemeClr val="accent1"/>
+          </a:fillRef>
+          <a:effectRef idx="0">
+            <a:schemeClr val="accent1"/>
+          </a:effectRef>
+          <a:fontRef idx="minor">
+            <a:schemeClr val="tx1"/>
+          </a:fontRef>
+        </p:style>
+      </p:cxnSp>
+      <p:cxnSp>
+        <p:nvCxnSpPr>
+          <p:cNvPr id="55" name="直接箭头连接符 54"/>
+          <p:cNvCxnSpPr>
+            <a:stCxn id="26" idx="1"/>
+            <a:endCxn id="36" idx="3"/>
+          </p:cNvCxnSpPr>
+          <p:nvPr/>
+        </p:nvCxnSpPr>
+        <p:spPr>
+          <a:xfrm flipH="1" flipV="1">
+            <a:off x="6626181" y="2547279"/>
+            <a:ext cx="4007475" cy="49551"/>
+          </a:xfrm>
+          <a:prstGeom prst="straightConnector1">
+            <a:avLst/>
+          </a:prstGeom>
+          <a:ln>
+            <a:solidFill>
+              <a:srgbClr val="00B050"/>
+            </a:solidFill>
+            <a:tailEnd type="triangle"/>
+          </a:ln>
+        </p:spPr>
+        <p:style>
+          <a:lnRef idx="1">
+            <a:schemeClr val="accent1"/>
+          </a:lnRef>
+          <a:fillRef idx="0">
+            <a:schemeClr val="accent1"/>
+          </a:fillRef>
+          <a:effectRef idx="0">
+            <a:schemeClr val="accent1"/>
+          </a:effectRef>
+          <a:fontRef idx="minor">
+            <a:schemeClr val="tx1"/>
+          </a:fontRef>
+        </p:style>
+      </p:cxnSp>
+      <p:cxnSp>
+        <p:nvCxnSpPr>
+          <p:cNvPr id="58" name="直接箭头连接符 57"/>
+          <p:cNvCxnSpPr>
+            <a:stCxn id="28" idx="1"/>
+            <a:endCxn id="36" idx="3"/>
+          </p:cNvCxnSpPr>
+          <p:nvPr/>
+        </p:nvCxnSpPr>
+        <p:spPr>
+          <a:xfrm flipH="1" flipV="1">
+            <a:off x="6626181" y="2547279"/>
+            <a:ext cx="4007475" cy="3930456"/>
+          </a:xfrm>
+          <a:prstGeom prst="straightConnector1">
+            <a:avLst/>
+          </a:prstGeom>
+          <a:ln>
+            <a:solidFill>
+              <a:srgbClr val="00B050"/>
+            </a:solidFill>
+            <a:tailEnd type="triangle"/>
+          </a:ln>
+        </p:spPr>
+        <p:style>
+          <a:lnRef idx="1">
+            <a:schemeClr val="accent1"/>
+          </a:lnRef>
+          <a:fillRef idx="0">
+            <a:schemeClr val="accent1"/>
+          </a:fillRef>
+          <a:effectRef idx="0">
+            <a:schemeClr val="accent1"/>
+          </a:effectRef>
+          <a:fontRef idx="minor">
+            <a:schemeClr val="tx1"/>
+          </a:fontRef>
+        </p:style>
+      </p:cxnSp>
+      <p:cxnSp>
+        <p:nvCxnSpPr>
+          <p:cNvPr id="61" name="直接箭头连接符 60"/>
+          <p:cNvCxnSpPr>
+            <a:stCxn id="25" idx="1"/>
+            <a:endCxn id="36" idx="3"/>
+          </p:cNvCxnSpPr>
+          <p:nvPr/>
+        </p:nvCxnSpPr>
+        <p:spPr>
+          <a:xfrm flipH="1">
+            <a:off x="6626181" y="1460269"/>
+            <a:ext cx="4007475" cy="1087010"/>
+          </a:xfrm>
+          <a:prstGeom prst="straightConnector1">
+            <a:avLst/>
+          </a:prstGeom>
+          <a:ln>
+            <a:solidFill>
+              <a:srgbClr val="00B050"/>
+            </a:solidFill>
+            <a:tailEnd type="triangle"/>
+          </a:ln>
+        </p:spPr>
+        <p:style>
+          <a:lnRef idx="1">
+            <a:schemeClr val="accent1"/>
+          </a:lnRef>
+          <a:fillRef idx="0">
+            <a:schemeClr val="accent1"/>
+          </a:fillRef>
+          <a:effectRef idx="0">
+            <a:schemeClr val="accent1"/>
+          </a:effectRef>
+          <a:fontRef idx="minor">
+            <a:schemeClr val="tx1"/>
+          </a:fontRef>
+        </p:style>
+      </p:cxnSp>
+      <p:cxnSp>
+        <p:nvCxnSpPr>
+          <p:cNvPr id="64" name="直接箭头连接符 63"/>
+          <p:cNvCxnSpPr>
+            <a:stCxn id="43" idx="1"/>
+            <a:endCxn id="36" idx="3"/>
+          </p:cNvCxnSpPr>
+          <p:nvPr/>
+        </p:nvCxnSpPr>
+        <p:spPr>
+          <a:xfrm flipH="1">
+            <a:off x="6626181" y="376707"/>
+            <a:ext cx="4007475" cy="2170572"/>
+          </a:xfrm>
+          <a:prstGeom prst="straightConnector1">
+            <a:avLst/>
+          </a:prstGeom>
+          <a:ln>
+            <a:solidFill>
+              <a:srgbClr val="00B050"/>
+            </a:solidFill>
+            <a:tailEnd type="triangle"/>
+          </a:ln>
+        </p:spPr>
+        <p:style>
+          <a:lnRef idx="1">
+            <a:schemeClr val="accent1"/>
+          </a:lnRef>
+          <a:fillRef idx="0">
+            <a:schemeClr val="accent1"/>
+          </a:fillRef>
+          <a:effectRef idx="0">
+            <a:schemeClr val="accent1"/>
+          </a:effectRef>
+          <a:fontRef idx="minor">
+            <a:schemeClr val="tx1"/>
+          </a:fontRef>
+        </p:style>
+      </p:cxnSp>
+      <p:cxnSp>
+        <p:nvCxnSpPr>
+          <p:cNvPr id="106" name="直接箭头连接符 105"/>
+          <p:cNvCxnSpPr>
+            <a:stCxn id="41" idx="3"/>
+            <a:endCxn id="48" idx="1"/>
+          </p:cNvCxnSpPr>
+          <p:nvPr/>
+        </p:nvCxnSpPr>
+        <p:spPr>
+          <a:xfrm>
+            <a:off x="1584101" y="4964467"/>
+            <a:ext cx="9049555" cy="0"/>
+          </a:xfrm>
+          <a:prstGeom prst="straightConnector1">
+            <a:avLst/>
+          </a:prstGeom>
+          <a:ln>
+            <a:solidFill>
+              <a:schemeClr val="accent4"/>
+            </a:solidFill>
+            <a:tailEnd type="triangle"/>
+          </a:ln>
+        </p:spPr>
+        <p:style>
+          <a:lnRef idx="1">
+            <a:schemeClr val="accent1"/>
+          </a:lnRef>
+          <a:fillRef idx="0">
+            <a:schemeClr val="accent1"/>
+          </a:fillRef>
+          <a:effectRef idx="0">
+            <a:schemeClr val="accent1"/>
+          </a:effectRef>
+          <a:fontRef idx="minor">
+            <a:schemeClr val="tx1"/>
+          </a:fontRef>
+        </p:style>
+      </p:cxnSp>
+      <p:sp>
+        <p:nvSpPr>
+          <p:cNvPr id="169" name="矩形 168"/>
+          <p:cNvSpPr/>
+          <p:nvPr/>
+        </p:nvSpPr>
+        <p:spPr>
+          <a:xfrm>
+            <a:off x="0" y="0"/>
+            <a:ext cx="1609859" cy="714777"/>
+          </a:xfrm>
+          <a:prstGeom prst="rect">
+            <a:avLst/>
+          </a:prstGeom>
+        </p:spPr>
+        <p:style>
+          <a:lnRef idx="0">
+            <a:schemeClr val="accent2"/>
+          </a:lnRef>
+          <a:fillRef idx="3">
+            <a:schemeClr val="accent2"/>
+          </a:fillRef>
+          <a:effectRef idx="3">
+            <a:schemeClr val="accent2"/>
+          </a:effectRef>
+          <a:fontRef idx="minor">
+            <a:schemeClr val="lt1"/>
+          </a:fontRef>
+        </p:style>
+        <p:txBody>
+          <a:bodyPr rtlCol="0" anchor="ctr"/>
+          <a:lstStyle/>
+          <a:p>
+            <a:pPr algn="ctr"/>
+            <a:r>
+              <a:rPr lang="en-US" altLang="zh-CN" dirty="0" smtClean="0"/>
+              <a:t>Controller and Pawn</a:t>
+            </a:r>
+            <a:endParaRPr lang="zh-CN" altLang="en-US" dirty="0"/>
+          </a:p>
+        </p:txBody>
+      </p:sp>
+      <p:sp>
+        <p:nvSpPr>
+          <p:cNvPr id="212" name="圆角矩形 211"/>
+          <p:cNvSpPr/>
+          <p:nvPr/>
+        </p:nvSpPr>
+        <p:spPr>
+          <a:xfrm>
+            <a:off x="5428712" y="3048951"/>
+            <a:ext cx="836591" cy="476518"/>
+          </a:xfrm>
+          <a:prstGeom prst="roundRect">
+            <a:avLst/>
+          </a:prstGeom>
+          <a:ln>
+            <a:solidFill>
+              <a:srgbClr val="92D050"/>
+            </a:solidFill>
+          </a:ln>
+        </p:spPr>
+        <p:style>
+          <a:lnRef idx="2">
+            <a:schemeClr val="accent6"/>
+          </a:lnRef>
+          <a:fillRef idx="1">
+            <a:schemeClr val="lt1"/>
+          </a:fillRef>
+          <a:effectRef idx="0">
+            <a:schemeClr val="accent6"/>
           </a:effectRef>
           <a:fontRef idx="minor">
             <a:schemeClr val="dk1"/>
@@ -4846,16 +5028,277 @@
             <a:pPr algn="ctr"/>
             <a:r>
               <a:rPr lang="en-US" altLang="zh-CN" dirty="0" smtClean="0"/>
-              <a:t>read info</a:t>
+              <a:t>other </a:t>
+            </a:r>
+            <a:r>
+              <a:rPr lang="en-US" altLang="zh-CN" dirty="0"/>
+              <a:t>event</a:t>
             </a:r>
             <a:endParaRPr lang="zh-CN" altLang="en-US" dirty="0"/>
           </a:p>
         </p:txBody>
       </p:sp>
+      <p:sp>
+        <p:nvSpPr>
+          <p:cNvPr id="233" name="圆角矩形 232"/>
+          <p:cNvSpPr/>
+          <p:nvPr/>
+        </p:nvSpPr>
+        <p:spPr>
+          <a:xfrm>
+            <a:off x="3765997" y="4751411"/>
+            <a:ext cx="1077265" cy="476518"/>
+          </a:xfrm>
+          <a:prstGeom prst="roundRect">
+            <a:avLst/>
+          </a:prstGeom>
+          <a:ln>
+            <a:solidFill>
+              <a:schemeClr val="accent4"/>
+            </a:solidFill>
+          </a:ln>
+        </p:spPr>
+        <p:style>
+          <a:lnRef idx="2">
+            <a:schemeClr val="accent6"/>
+          </a:lnRef>
+          <a:fillRef idx="1">
+            <a:schemeClr val="lt1"/>
+          </a:fillRef>
+          <a:effectRef idx="0">
+            <a:schemeClr val="accent6"/>
+          </a:effectRef>
+          <a:fontRef idx="minor">
+            <a:schemeClr val="dk1"/>
+          </a:fontRef>
+        </p:style>
+        <p:txBody>
+          <a:bodyPr rtlCol="0" anchor="ctr"/>
+          <a:lstStyle/>
+          <a:p>
+            <a:pPr algn="ctr"/>
+            <a:r>
+              <a:rPr lang="en-US" altLang="zh-CN" dirty="0" smtClean="0"/>
+              <a:t>manage</a:t>
+            </a:r>
+            <a:endParaRPr lang="zh-CN" altLang="en-US" dirty="0"/>
+          </a:p>
+        </p:txBody>
+      </p:sp>
+      <p:sp>
+        <p:nvSpPr>
+          <p:cNvPr id="43" name="矩形 42"/>
+          <p:cNvSpPr/>
+          <p:nvPr/>
+        </p:nvSpPr>
+        <p:spPr>
+          <a:xfrm>
+            <a:off x="10633656" y="0"/>
+            <a:ext cx="1558344" cy="753414"/>
+          </a:xfrm>
+          <a:prstGeom prst="rect">
+            <a:avLst/>
+          </a:prstGeom>
+        </p:spPr>
+        <p:style>
+          <a:lnRef idx="2">
+            <a:schemeClr val="accent1">
+              <a:shade val="50000"/>
+            </a:schemeClr>
+          </a:lnRef>
+          <a:fillRef idx="1">
+            <a:schemeClr val="accent1"/>
+          </a:fillRef>
+          <a:effectRef idx="0">
+            <a:schemeClr val="accent1"/>
+          </a:effectRef>
+          <a:fontRef idx="minor">
+            <a:schemeClr val="lt1"/>
+          </a:fontRef>
+        </p:style>
+        <p:txBody>
+          <a:bodyPr rtlCol="0" anchor="ctr"/>
+          <a:lstStyle/>
+          <a:p>
+            <a:pPr algn="ctr"/>
+            <a:r>
+              <a:rPr lang="en-US" altLang="zh-CN" dirty="0" smtClean="0"/>
+              <a:t>Viewport</a:t>
+            </a:r>
+            <a:endParaRPr lang="zh-CN" altLang="en-US" dirty="0"/>
+          </a:p>
+        </p:txBody>
+      </p:sp>
+      <p:sp>
+        <p:nvSpPr>
+          <p:cNvPr id="48" name="矩形 47"/>
+          <p:cNvSpPr/>
+          <p:nvPr/>
+        </p:nvSpPr>
+        <p:spPr>
+          <a:xfrm>
+            <a:off x="10633656" y="4587760"/>
+            <a:ext cx="1558344" cy="753414"/>
+          </a:xfrm>
+          <a:prstGeom prst="rect">
+            <a:avLst/>
+          </a:prstGeom>
+        </p:spPr>
+        <p:style>
+          <a:lnRef idx="2">
+            <a:schemeClr val="accent1">
+              <a:shade val="50000"/>
+            </a:schemeClr>
+          </a:lnRef>
+          <a:fillRef idx="1">
+            <a:schemeClr val="accent1"/>
+          </a:fillRef>
+          <a:effectRef idx="0">
+            <a:schemeClr val="accent1"/>
+          </a:effectRef>
+          <a:fontRef idx="minor">
+            <a:schemeClr val="lt1"/>
+          </a:fontRef>
+        </p:style>
+        <p:txBody>
+          <a:bodyPr rtlCol="0" anchor="ctr"/>
+          <a:lstStyle/>
+          <a:p>
+            <a:pPr algn="ctr"/>
+            <a:r>
+              <a:rPr lang="en-US" altLang="zh-CN" dirty="0" smtClean="0"/>
+              <a:t>Pawn</a:t>
+            </a:r>
+            <a:endParaRPr lang="zh-CN" altLang="en-US" dirty="0"/>
+          </a:p>
+        </p:txBody>
+      </p:sp>
+      <p:cxnSp>
+        <p:nvCxnSpPr>
+          <p:cNvPr id="51" name="直接箭头连接符 50"/>
+          <p:cNvCxnSpPr>
+            <a:stCxn id="26" idx="2"/>
+            <a:endCxn id="48" idx="0"/>
+          </p:cNvCxnSpPr>
+          <p:nvPr/>
+        </p:nvCxnSpPr>
+        <p:spPr>
+          <a:xfrm>
+            <a:off x="11412828" y="2973537"/>
+            <a:ext cx="0" cy="1614223"/>
+          </a:xfrm>
+          <a:prstGeom prst="straightConnector1">
+            <a:avLst/>
+          </a:prstGeom>
+          <a:ln>
+            <a:tailEnd type="triangle"/>
+          </a:ln>
+        </p:spPr>
+        <p:style>
+          <a:lnRef idx="1">
+            <a:schemeClr val="accent1"/>
+          </a:lnRef>
+          <a:fillRef idx="0">
+            <a:schemeClr val="accent1"/>
+          </a:fillRef>
+          <a:effectRef idx="0">
+            <a:schemeClr val="accent1"/>
+          </a:effectRef>
+          <a:fontRef idx="minor">
+            <a:schemeClr val="tx1"/>
+          </a:fontRef>
+        </p:style>
+      </p:cxnSp>
+      <p:sp>
+        <p:nvSpPr>
+          <p:cNvPr id="59" name="圆角矩形 58"/>
+          <p:cNvSpPr/>
+          <p:nvPr/>
+        </p:nvSpPr>
+        <p:spPr>
+          <a:xfrm>
+            <a:off x="10981385" y="3585856"/>
+            <a:ext cx="862885" cy="194792"/>
+          </a:xfrm>
+          <a:prstGeom prst="roundRect">
+            <a:avLst/>
+          </a:prstGeom>
+          <a:ln>
+            <a:solidFill>
+              <a:srgbClr val="00B0F0"/>
+            </a:solidFill>
+          </a:ln>
+        </p:spPr>
+        <p:style>
+          <a:lnRef idx="2">
+            <a:schemeClr val="accent6"/>
+          </a:lnRef>
+          <a:fillRef idx="1">
+            <a:schemeClr val="lt1"/>
+          </a:fillRef>
+          <a:effectRef idx="0">
+            <a:schemeClr val="accent6"/>
+          </a:effectRef>
+          <a:fontRef idx="minor">
+            <a:schemeClr val="dk1"/>
+          </a:fontRef>
+        </p:style>
+        <p:txBody>
+          <a:bodyPr rtlCol="0" anchor="ctr"/>
+          <a:lstStyle/>
+          <a:p>
+            <a:pPr algn="ctr"/>
+            <a:r>
+              <a:rPr lang="en-US" altLang="zh-CN" dirty="0" smtClean="0"/>
+              <a:t>derive</a:t>
+            </a:r>
+            <a:endParaRPr lang="zh-CN" altLang="en-US" dirty="0"/>
+          </a:p>
+        </p:txBody>
+      </p:sp>
+      <p:cxnSp>
+        <p:nvCxnSpPr>
+          <p:cNvPr id="63" name="直接箭头连接符 62"/>
+          <p:cNvCxnSpPr>
+            <a:stCxn id="48" idx="1"/>
+            <a:endCxn id="36" idx="3"/>
+          </p:cNvCxnSpPr>
+          <p:nvPr/>
+        </p:nvCxnSpPr>
+        <p:spPr>
+          <a:xfrm flipH="1" flipV="1">
+            <a:off x="6626181" y="2547279"/>
+            <a:ext cx="4007475" cy="2417188"/>
+          </a:xfrm>
+          <a:prstGeom prst="straightConnector1">
+            <a:avLst/>
+          </a:prstGeom>
+          <a:ln>
+            <a:solidFill>
+              <a:srgbClr val="00B050"/>
+            </a:solidFill>
+            <a:tailEnd type="triangle"/>
+          </a:ln>
+        </p:spPr>
+        <p:style>
+          <a:lnRef idx="1">
+            <a:schemeClr val="accent1"/>
+          </a:lnRef>
+          <a:fillRef idx="0">
+            <a:schemeClr val="accent1"/>
+          </a:fillRef>
+          <a:effectRef idx="0">
+            <a:schemeClr val="accent1"/>
+          </a:effectRef>
+          <a:fontRef idx="minor">
+            <a:schemeClr val="tx1"/>
+          </a:fontRef>
+        </p:style>
+      </p:cxnSp>
     </p:spTree>
     <p:extLst>
       <p:ext uri="{BB962C8B-B14F-4D97-AF65-F5344CB8AC3E}">
-        <p14:creationId xmlns:p14="http://schemas.microsoft.com/office/powerpoint/2010/main" val="3971601241"/>
+        <p14:creationId xmlns:p14="http://schemas.microsoft.com/office/powerpoint/2010/main" val="1250370031"/>
       </p:ext>
     </p:extLst>
   </p:cSld>
@@ -4884,13 +5327,13 @@
       </p:grpSpPr>
       <p:sp>
         <p:nvSpPr>
-          <p:cNvPr id="25" name="矩形 24"/>
+          <p:cNvPr id="5" name="矩形 4"/>
           <p:cNvSpPr/>
           <p:nvPr/>
         </p:nvSpPr>
         <p:spPr>
           <a:xfrm>
-            <a:off x="10633656" y="1083562"/>
+            <a:off x="5778320" y="2454162"/>
             <a:ext cx="1558344" cy="753414"/>
           </a:xfrm>
           <a:prstGeom prst="rect">
@@ -4928,13 +5371,13 @@
       </p:sp>
       <p:sp>
         <p:nvSpPr>
-          <p:cNvPr id="22" name="矩形 21"/>
+          <p:cNvPr id="6" name="矩形 5"/>
           <p:cNvSpPr/>
           <p:nvPr/>
         </p:nvSpPr>
         <p:spPr>
           <a:xfrm>
-            <a:off x="0" y="2274258"/>
+            <a:off x="5778320" y="1373411"/>
             <a:ext cx="1558344" cy="753414"/>
           </a:xfrm>
           <a:prstGeom prst="rect">
@@ -4964,7 +5407,7 @@
             <a:pPr algn="ctr"/>
             <a:r>
               <a:rPr lang="en-US" altLang="zh-CN" dirty="0" smtClean="0"/>
-              <a:t>Editor</a:t>
+              <a:t>Viewport</a:t>
             </a:r>
             <a:endParaRPr lang="zh-CN" altLang="en-US" dirty="0"/>
           </a:p>
@@ -4972,13 +5415,13 @@
       </p:sp>
       <p:sp>
         <p:nvSpPr>
-          <p:cNvPr id="26" name="矩形 25"/>
+          <p:cNvPr id="7" name="矩形 6"/>
           <p:cNvSpPr/>
           <p:nvPr/>
         </p:nvSpPr>
         <p:spPr>
           <a:xfrm>
-            <a:off x="10633656" y="2220123"/>
+            <a:off x="5778320" y="3598235"/>
             <a:ext cx="1558344" cy="753414"/>
           </a:xfrm>
           <a:prstGeom prst="rect">
@@ -5016,13 +5459,13 @@
       </p:sp>
       <p:sp>
         <p:nvSpPr>
-          <p:cNvPr id="28" name="矩形 27"/>
+          <p:cNvPr id="8" name="矩形 7"/>
           <p:cNvSpPr/>
           <p:nvPr/>
         </p:nvSpPr>
         <p:spPr>
           <a:xfrm>
-            <a:off x="10633656" y="6101028"/>
+            <a:off x="5778320" y="4742308"/>
             <a:ext cx="1558344" cy="753414"/>
           </a:xfrm>
           <a:prstGeom prst="rect">
@@ -5052,22 +5495,181 @@
             <a:pPr algn="ctr"/>
             <a:r>
               <a:rPr lang="en-US" altLang="zh-CN" dirty="0" smtClean="0"/>
-              <a:t>……</a:t>
+              <a:t>Model</a:t>
             </a:r>
             <a:endParaRPr lang="zh-CN" altLang="en-US" dirty="0"/>
           </a:p>
         </p:txBody>
       </p:sp>
-      <p:sp>
-        <p:nvSpPr>
-          <p:cNvPr id="36" name="矩形 35"/>
+      <p:cxnSp>
+        <p:nvCxnSpPr>
+          <p:cNvPr id="9" name="直接箭头连接符 8"/>
+          <p:cNvCxnSpPr>
+            <a:stCxn id="6" idx="2"/>
+            <a:endCxn id="5" idx="0"/>
+          </p:cNvCxnSpPr>
+          <p:nvPr/>
+        </p:nvCxnSpPr>
+        <p:spPr>
+          <a:xfrm>
+            <a:off x="6557492" y="2126825"/>
+            <a:ext cx="0" cy="327337"/>
+          </a:xfrm>
+          <a:prstGeom prst="straightConnector1">
+            <a:avLst/>
+          </a:prstGeom>
+          <a:ln>
+            <a:solidFill>
+              <a:srgbClr val="FF0000"/>
+            </a:solidFill>
+            <a:tailEnd type="triangle"/>
+          </a:ln>
+        </p:spPr>
+        <p:style>
+          <a:lnRef idx="1">
+            <a:schemeClr val="accent1"/>
+          </a:lnRef>
+          <a:fillRef idx="0">
+            <a:schemeClr val="accent1"/>
+          </a:fillRef>
+          <a:effectRef idx="0">
+            <a:schemeClr val="accent1"/>
+          </a:effectRef>
+          <a:fontRef idx="minor">
+            <a:schemeClr val="tx1"/>
+          </a:fontRef>
+        </p:style>
+      </p:cxnSp>
+      <p:cxnSp>
+        <p:nvCxnSpPr>
+          <p:cNvPr id="10" name="直接箭头连接符 9"/>
+          <p:cNvCxnSpPr>
+            <a:stCxn id="5" idx="2"/>
+            <a:endCxn id="7" idx="0"/>
+          </p:cNvCxnSpPr>
+          <p:nvPr/>
+        </p:nvCxnSpPr>
+        <p:spPr>
+          <a:xfrm>
+            <a:off x="6557492" y="3207576"/>
+            <a:ext cx="0" cy="390659"/>
+          </a:xfrm>
+          <a:prstGeom prst="straightConnector1">
+            <a:avLst/>
+          </a:prstGeom>
+          <a:ln>
+            <a:solidFill>
+              <a:srgbClr val="FF0000"/>
+            </a:solidFill>
+            <a:tailEnd type="triangle"/>
+          </a:ln>
+        </p:spPr>
+        <p:style>
+          <a:lnRef idx="1">
+            <a:schemeClr val="accent1"/>
+          </a:lnRef>
+          <a:fillRef idx="0">
+            <a:schemeClr val="accent1"/>
+          </a:fillRef>
+          <a:effectRef idx="0">
+            <a:schemeClr val="accent1"/>
+          </a:effectRef>
+          <a:fontRef idx="minor">
+            <a:schemeClr val="tx1"/>
+          </a:fontRef>
+        </p:style>
+      </p:cxnSp>
+      <p:cxnSp>
+        <p:nvCxnSpPr>
+          <p:cNvPr id="11" name="直接箭头连接符 10"/>
+          <p:cNvCxnSpPr>
+            <a:stCxn id="7" idx="2"/>
+            <a:endCxn id="8" idx="0"/>
+          </p:cNvCxnSpPr>
+          <p:nvPr/>
+        </p:nvCxnSpPr>
+        <p:spPr>
+          <a:xfrm>
+            <a:off x="6557492" y="4351649"/>
+            <a:ext cx="0" cy="390659"/>
+          </a:xfrm>
+          <a:prstGeom prst="straightConnector1">
+            <a:avLst/>
+          </a:prstGeom>
+          <a:ln>
+            <a:solidFill>
+              <a:srgbClr val="FF0000"/>
+            </a:solidFill>
+            <a:tailEnd type="triangle"/>
+          </a:ln>
+        </p:spPr>
+        <p:style>
+          <a:lnRef idx="1">
+            <a:schemeClr val="accent1"/>
+          </a:lnRef>
+          <a:fillRef idx="0">
+            <a:schemeClr val="accent1"/>
+          </a:fillRef>
+          <a:effectRef idx="0">
+            <a:schemeClr val="accent1"/>
+          </a:effectRef>
+          <a:fontRef idx="minor">
+            <a:schemeClr val="tx1"/>
+          </a:fontRef>
+        </p:style>
+      </p:cxnSp>
+      <p:sp>
+        <p:nvSpPr>
+          <p:cNvPr id="12" name="矩形 11"/>
           <p:cNvSpPr/>
           <p:nvPr/>
         </p:nvSpPr>
         <p:spPr>
           <a:xfrm>
-            <a:off x="5067837" y="2184055"/>
-            <a:ext cx="1558344" cy="726448"/>
+            <a:off x="0" y="0"/>
+            <a:ext cx="1609859" cy="714777"/>
+          </a:xfrm>
+          <a:prstGeom prst="rect">
+            <a:avLst/>
+          </a:prstGeom>
+        </p:spPr>
+        <p:style>
+          <a:lnRef idx="0">
+            <a:schemeClr val="accent2"/>
+          </a:lnRef>
+          <a:fillRef idx="3">
+            <a:schemeClr val="accent2"/>
+          </a:fillRef>
+          <a:effectRef idx="3">
+            <a:schemeClr val="accent2"/>
+          </a:effectRef>
+          <a:fontRef idx="minor">
+            <a:schemeClr val="lt1"/>
+          </a:fontRef>
+        </p:style>
+        <p:txBody>
+          <a:bodyPr rtlCol="0" anchor="ctr"/>
+          <a:lstStyle/>
+          <a:p>
+            <a:pPr algn="ctr"/>
+            <a:r>
+              <a:rPr lang="en-US" altLang="zh-CN" dirty="0" smtClean="0"/>
+              <a:t>Memory Management</a:t>
+            </a:r>
+            <a:endParaRPr lang="zh-CN" altLang="en-US" dirty="0"/>
+          </a:p>
+        </p:txBody>
+      </p:sp>
+      <p:sp>
+        <p:nvSpPr>
+          <p:cNvPr id="13" name="矩形 12"/>
+          <p:cNvSpPr/>
+          <p:nvPr/>
+        </p:nvSpPr>
+        <p:spPr>
+          <a:xfrm>
+            <a:off x="5778320" y="292660"/>
+            <a:ext cx="1558344" cy="753414"/>
           </a:xfrm>
           <a:prstGeom prst="rect">
             <a:avLst/>
@@ -5096,21 +5698,60 @@
             <a:pPr algn="ctr"/>
             <a:r>
               <a:rPr lang="en-US" altLang="zh-CN" dirty="0" smtClean="0"/>
-              <a:t>AI</a:t>
+              <a:t>Window</a:t>
             </a:r>
             <a:endParaRPr lang="zh-CN" altLang="en-US" dirty="0"/>
           </a:p>
         </p:txBody>
       </p:sp>
-      <p:sp>
-        <p:nvSpPr>
-          <p:cNvPr id="41" name="矩形 40"/>
+      <p:cxnSp>
+        <p:nvCxnSpPr>
+          <p:cNvPr id="14" name="直接箭头连接符 13"/>
+          <p:cNvCxnSpPr>
+            <a:stCxn id="13" idx="2"/>
+            <a:endCxn id="6" idx="0"/>
+          </p:cNvCxnSpPr>
+          <p:nvPr/>
+        </p:nvCxnSpPr>
+        <p:spPr>
+          <a:xfrm>
+            <a:off x="6557492" y="1046074"/>
+            <a:ext cx="0" cy="327337"/>
+          </a:xfrm>
+          <a:prstGeom prst="straightConnector1">
+            <a:avLst/>
+          </a:prstGeom>
+          <a:ln>
+            <a:solidFill>
+              <a:srgbClr val="FF0000"/>
+            </a:solidFill>
+            <a:tailEnd type="triangle"/>
+          </a:ln>
+        </p:spPr>
+        <p:style>
+          <a:lnRef idx="1">
+            <a:schemeClr val="accent1"/>
+          </a:lnRef>
+          <a:fillRef idx="0">
+            <a:schemeClr val="accent1"/>
+          </a:fillRef>
+          <a:effectRef idx="0">
+            <a:schemeClr val="accent1"/>
+          </a:effectRef>
+          <a:fontRef idx="minor">
+            <a:schemeClr val="tx1"/>
+          </a:fontRef>
+        </p:style>
+      </p:cxnSp>
+      <p:sp>
+        <p:nvSpPr>
+          <p:cNvPr id="17" name="矩形 16"/>
           <p:cNvSpPr/>
           <p:nvPr/>
         </p:nvSpPr>
         <p:spPr>
           <a:xfrm>
-            <a:off x="25757" y="4587760"/>
+            <a:off x="5778320" y="5886381"/>
             <a:ext cx="1558344" cy="753414"/>
           </a:xfrm>
           <a:prstGeom prst="rect">
@@ -5140,7 +5781,7 @@
             <a:pPr algn="ctr"/>
             <a:r>
               <a:rPr lang="en-US" altLang="zh-CN" dirty="0" smtClean="0"/>
-              <a:t>Controller</a:t>
+              <a:t>Mesh</a:t>
             </a:r>
             <a:endParaRPr lang="zh-CN" altLang="en-US" dirty="0"/>
           </a:p>
@@ -5148,107 +5789,24 @@
       </p:sp>
       <p:cxnSp>
         <p:nvCxnSpPr>
-          <p:cNvPr id="42" name="直接箭头连接符 41"/>
+          <p:cNvPr id="18" name="直接箭头连接符 17"/>
           <p:cNvCxnSpPr>
-            <a:stCxn id="22" idx="2"/>
-            <a:endCxn id="41" idx="0"/>
+            <a:stCxn id="8" idx="2"/>
+            <a:endCxn id="17" idx="0"/>
           </p:cNvCxnSpPr>
           <p:nvPr/>
         </p:nvCxnSpPr>
         <p:spPr>
           <a:xfrm>
-            <a:off x="779172" y="3027672"/>
-            <a:ext cx="25757" cy="1560088"/>
+            <a:off x="6557492" y="5495722"/>
+            <a:ext cx="0" cy="390659"/>
           </a:xfrm>
           <a:prstGeom prst="straightConnector1">
             <a:avLst/>
           </a:prstGeom>
-          <a:ln>
-            <a:tailEnd type="triangle"/>
-          </a:ln>
-        </p:spPr>
-        <p:style>
-          <a:lnRef idx="1">
-            <a:schemeClr val="accent1"/>
-          </a:lnRef>
-          <a:fillRef idx="0">
-            <a:schemeClr val="accent1"/>
-          </a:fillRef>
-          <a:effectRef idx="0">
-            <a:schemeClr val="accent1"/>
-          </a:effectRef>
-          <a:fontRef idx="minor">
-            <a:schemeClr val="tx1"/>
-          </a:fontRef>
-        </p:style>
-      </p:cxnSp>
-      <p:sp>
-        <p:nvSpPr>
-          <p:cNvPr id="45" name="圆角矩形 44"/>
-          <p:cNvSpPr/>
-          <p:nvPr/>
-        </p:nvSpPr>
-        <p:spPr>
-          <a:xfrm>
-            <a:off x="360607" y="3539329"/>
-            <a:ext cx="862885" cy="194792"/>
-          </a:xfrm>
-          <a:prstGeom prst="roundRect">
-            <a:avLst/>
-          </a:prstGeom>
-          <a:ln>
+          <a:ln w="6350">
             <a:solidFill>
-              <a:srgbClr val="00B0F0"/>
-            </a:solidFill>
-          </a:ln>
-        </p:spPr>
-        <p:style>
-          <a:lnRef idx="2">
-            <a:schemeClr val="accent6"/>
-          </a:lnRef>
-          <a:fillRef idx="1">
-            <a:schemeClr val="lt1"/>
-          </a:fillRef>
-          <a:effectRef idx="0">
-            <a:schemeClr val="accent6"/>
-          </a:effectRef>
-          <a:fontRef idx="minor">
-            <a:schemeClr val="dk1"/>
-          </a:fontRef>
-        </p:style>
-        <p:txBody>
-          <a:bodyPr rtlCol="0" anchor="ctr"/>
-          <a:lstStyle/>
-          <a:p>
-            <a:pPr algn="ctr"/>
-            <a:r>
-              <a:rPr lang="en-US" altLang="zh-CN" dirty="0" smtClean="0"/>
-              <a:t>derive</a:t>
-            </a:r>
-            <a:endParaRPr lang="zh-CN" altLang="en-US" dirty="0"/>
-          </a:p>
-        </p:txBody>
-      </p:sp>
-      <p:cxnSp>
-        <p:nvCxnSpPr>
-          <p:cNvPr id="46" name="直接箭头连接符 45"/>
-          <p:cNvCxnSpPr>
-            <a:stCxn id="36" idx="1"/>
-            <a:endCxn id="41" idx="0"/>
-          </p:cNvCxnSpPr>
-          <p:nvPr/>
-        </p:nvCxnSpPr>
-        <p:spPr>
-          <a:xfrm flipH="1">
-            <a:off x="804929" y="2547279"/>
-            <a:ext cx="4262908" cy="2040481"/>
-          </a:xfrm>
-          <a:prstGeom prst="straightConnector1">
-            <a:avLst/>
-          </a:prstGeom>
-          <a:ln>
-            <a:solidFill>
-              <a:srgbClr val="00B050"/>
+              <a:srgbClr val="FF0000"/>
             </a:solidFill>
             <a:tailEnd type="triangle"/>
           </a:ln>
@@ -5268,350 +5826,15 @@
           </a:fontRef>
         </p:style>
       </p:cxnSp>
-      <p:cxnSp>
-        <p:nvCxnSpPr>
-          <p:cNvPr id="55" name="直接箭头连接符 54"/>
-          <p:cNvCxnSpPr>
-            <a:stCxn id="26" idx="1"/>
-            <a:endCxn id="36" idx="3"/>
-          </p:cNvCxnSpPr>
-          <p:nvPr/>
-        </p:nvCxnSpPr>
-        <p:spPr>
-          <a:xfrm flipH="1" flipV="1">
-            <a:off x="6626181" y="2547279"/>
-            <a:ext cx="4007475" cy="49551"/>
-          </a:xfrm>
-          <a:prstGeom prst="straightConnector1">
-            <a:avLst/>
-          </a:prstGeom>
-          <a:ln>
-            <a:solidFill>
-              <a:srgbClr val="00B050"/>
-            </a:solidFill>
-            <a:tailEnd type="triangle"/>
-          </a:ln>
-        </p:spPr>
-        <p:style>
-          <a:lnRef idx="1">
-            <a:schemeClr val="accent1"/>
-          </a:lnRef>
-          <a:fillRef idx="0">
-            <a:schemeClr val="accent1"/>
-          </a:fillRef>
-          <a:effectRef idx="0">
-            <a:schemeClr val="accent1"/>
-          </a:effectRef>
-          <a:fontRef idx="minor">
-            <a:schemeClr val="tx1"/>
-          </a:fontRef>
-        </p:style>
-      </p:cxnSp>
-      <p:cxnSp>
-        <p:nvCxnSpPr>
-          <p:cNvPr id="58" name="直接箭头连接符 57"/>
-          <p:cNvCxnSpPr>
-            <a:stCxn id="28" idx="1"/>
-            <a:endCxn id="36" idx="3"/>
-          </p:cNvCxnSpPr>
-          <p:nvPr/>
-        </p:nvCxnSpPr>
-        <p:spPr>
-          <a:xfrm flipH="1" flipV="1">
-            <a:off x="6626181" y="2547279"/>
-            <a:ext cx="4007475" cy="3930456"/>
-          </a:xfrm>
-          <a:prstGeom prst="straightConnector1">
-            <a:avLst/>
-          </a:prstGeom>
-          <a:ln>
-            <a:solidFill>
-              <a:srgbClr val="00B050"/>
-            </a:solidFill>
-            <a:tailEnd type="triangle"/>
-          </a:ln>
-        </p:spPr>
-        <p:style>
-          <a:lnRef idx="1">
-            <a:schemeClr val="accent1"/>
-          </a:lnRef>
-          <a:fillRef idx="0">
-            <a:schemeClr val="accent1"/>
-          </a:fillRef>
-          <a:effectRef idx="0">
-            <a:schemeClr val="accent1"/>
-          </a:effectRef>
-          <a:fontRef idx="minor">
-            <a:schemeClr val="tx1"/>
-          </a:fontRef>
-        </p:style>
-      </p:cxnSp>
-      <p:cxnSp>
-        <p:nvCxnSpPr>
-          <p:cNvPr id="61" name="直接箭头连接符 60"/>
-          <p:cNvCxnSpPr>
-            <a:stCxn id="25" idx="1"/>
-            <a:endCxn id="36" idx="3"/>
-          </p:cNvCxnSpPr>
-          <p:nvPr/>
-        </p:nvCxnSpPr>
-        <p:spPr>
-          <a:xfrm flipH="1">
-            <a:off x="6626181" y="1460269"/>
-            <a:ext cx="4007475" cy="1087010"/>
-          </a:xfrm>
-          <a:prstGeom prst="straightConnector1">
-            <a:avLst/>
-          </a:prstGeom>
-          <a:ln>
-            <a:solidFill>
-              <a:srgbClr val="00B050"/>
-            </a:solidFill>
-            <a:tailEnd type="triangle"/>
-          </a:ln>
-        </p:spPr>
-        <p:style>
-          <a:lnRef idx="1">
-            <a:schemeClr val="accent1"/>
-          </a:lnRef>
-          <a:fillRef idx="0">
-            <a:schemeClr val="accent1"/>
-          </a:fillRef>
-          <a:effectRef idx="0">
-            <a:schemeClr val="accent1"/>
-          </a:effectRef>
-          <a:fontRef idx="minor">
-            <a:schemeClr val="tx1"/>
-          </a:fontRef>
-        </p:style>
-      </p:cxnSp>
-      <p:cxnSp>
-        <p:nvCxnSpPr>
-          <p:cNvPr id="64" name="直接箭头连接符 63"/>
-          <p:cNvCxnSpPr>
-            <a:stCxn id="43" idx="1"/>
-            <a:endCxn id="36" idx="3"/>
-          </p:cNvCxnSpPr>
-          <p:nvPr/>
-        </p:nvCxnSpPr>
-        <p:spPr>
-          <a:xfrm flipH="1">
-            <a:off x="6626181" y="376707"/>
-            <a:ext cx="4007475" cy="2170572"/>
-          </a:xfrm>
-          <a:prstGeom prst="straightConnector1">
-            <a:avLst/>
-          </a:prstGeom>
-          <a:ln>
-            <a:solidFill>
-              <a:srgbClr val="00B050"/>
-            </a:solidFill>
-            <a:tailEnd type="triangle"/>
-          </a:ln>
-        </p:spPr>
-        <p:style>
-          <a:lnRef idx="1">
-            <a:schemeClr val="accent1"/>
-          </a:lnRef>
-          <a:fillRef idx="0">
-            <a:schemeClr val="accent1"/>
-          </a:fillRef>
-          <a:effectRef idx="0">
-            <a:schemeClr val="accent1"/>
-          </a:effectRef>
-          <a:fontRef idx="minor">
-            <a:schemeClr val="tx1"/>
-          </a:fontRef>
-        </p:style>
-      </p:cxnSp>
-      <p:cxnSp>
-        <p:nvCxnSpPr>
-          <p:cNvPr id="106" name="直接箭头连接符 105"/>
-          <p:cNvCxnSpPr>
-            <a:stCxn id="41" idx="3"/>
-            <a:endCxn id="48" idx="1"/>
-          </p:cNvCxnSpPr>
-          <p:nvPr/>
-        </p:nvCxnSpPr>
-        <p:spPr>
-          <a:xfrm>
-            <a:off x="1584101" y="4964467"/>
-            <a:ext cx="9049555" cy="0"/>
-          </a:xfrm>
-          <a:prstGeom prst="straightConnector1">
-            <a:avLst/>
-          </a:prstGeom>
-          <a:ln>
-            <a:solidFill>
-              <a:schemeClr val="accent4"/>
-            </a:solidFill>
-            <a:tailEnd type="triangle"/>
-          </a:ln>
-        </p:spPr>
-        <p:style>
-          <a:lnRef idx="1">
-            <a:schemeClr val="accent1"/>
-          </a:lnRef>
-          <a:fillRef idx="0">
-            <a:schemeClr val="accent1"/>
-          </a:fillRef>
-          <a:effectRef idx="0">
-            <a:schemeClr val="accent1"/>
-          </a:effectRef>
-          <a:fontRef idx="minor">
-            <a:schemeClr val="tx1"/>
-          </a:fontRef>
-        </p:style>
-      </p:cxnSp>
-      <p:sp>
-        <p:nvSpPr>
-          <p:cNvPr id="169" name="矩形 168"/>
+      <p:sp>
+        <p:nvSpPr>
+          <p:cNvPr id="21" name="矩形 20"/>
           <p:cNvSpPr/>
           <p:nvPr/>
         </p:nvSpPr>
         <p:spPr>
           <a:xfrm>
-            <a:off x="0" y="0"/>
-            <a:ext cx="1609859" cy="714777"/>
-          </a:xfrm>
-          <a:prstGeom prst="rect">
-            <a:avLst/>
-          </a:prstGeom>
-        </p:spPr>
-        <p:style>
-          <a:lnRef idx="0">
-            <a:schemeClr val="accent2"/>
-          </a:lnRef>
-          <a:fillRef idx="3">
-            <a:schemeClr val="accent2"/>
-          </a:fillRef>
-          <a:effectRef idx="3">
-            <a:schemeClr val="accent2"/>
-          </a:effectRef>
-          <a:fontRef idx="minor">
-            <a:schemeClr val="lt1"/>
-          </a:fontRef>
-        </p:style>
-        <p:txBody>
-          <a:bodyPr rtlCol="0" anchor="ctr"/>
-          <a:lstStyle/>
-          <a:p>
-            <a:pPr algn="ctr"/>
-            <a:r>
-              <a:rPr lang="en-US" altLang="zh-CN" dirty="0" smtClean="0"/>
-              <a:t>Controller and Pawn</a:t>
-            </a:r>
-            <a:endParaRPr lang="zh-CN" altLang="en-US" dirty="0"/>
-          </a:p>
-        </p:txBody>
-      </p:sp>
-      <p:sp>
-        <p:nvSpPr>
-          <p:cNvPr id="212" name="圆角矩形 211"/>
-          <p:cNvSpPr/>
-          <p:nvPr/>
-        </p:nvSpPr>
-        <p:spPr>
-          <a:xfrm>
-            <a:off x="5428712" y="3048951"/>
-            <a:ext cx="836591" cy="476518"/>
-          </a:xfrm>
-          <a:prstGeom prst="roundRect">
-            <a:avLst/>
-          </a:prstGeom>
-          <a:ln>
-            <a:solidFill>
-              <a:srgbClr val="92D050"/>
-            </a:solidFill>
-          </a:ln>
-        </p:spPr>
-        <p:style>
-          <a:lnRef idx="2">
-            <a:schemeClr val="accent6"/>
-          </a:lnRef>
-          <a:fillRef idx="1">
-            <a:schemeClr val="lt1"/>
-          </a:fillRef>
-          <a:effectRef idx="0">
-            <a:schemeClr val="accent6"/>
-          </a:effectRef>
-          <a:fontRef idx="minor">
-            <a:schemeClr val="dk1"/>
-          </a:fontRef>
-        </p:style>
-        <p:txBody>
-          <a:bodyPr rtlCol="0" anchor="ctr"/>
-          <a:lstStyle/>
-          <a:p>
-            <a:pPr algn="ctr"/>
-            <a:r>
-              <a:rPr lang="en-US" altLang="zh-CN" dirty="0" smtClean="0"/>
-              <a:t>other </a:t>
-            </a:r>
-            <a:r>
-              <a:rPr lang="en-US" altLang="zh-CN" dirty="0"/>
-              <a:t>event</a:t>
-            </a:r>
-            <a:endParaRPr lang="zh-CN" altLang="en-US" dirty="0"/>
-          </a:p>
-        </p:txBody>
-      </p:sp>
-      <p:sp>
-        <p:nvSpPr>
-          <p:cNvPr id="233" name="圆角矩形 232"/>
-          <p:cNvSpPr/>
-          <p:nvPr/>
-        </p:nvSpPr>
-        <p:spPr>
-          <a:xfrm>
-            <a:off x="3765997" y="4751411"/>
-            <a:ext cx="1077265" cy="476518"/>
-          </a:xfrm>
-          <a:prstGeom prst="roundRect">
-            <a:avLst/>
-          </a:prstGeom>
-          <a:ln>
-            <a:solidFill>
-              <a:schemeClr val="accent4"/>
-            </a:solidFill>
-          </a:ln>
-        </p:spPr>
-        <p:style>
-          <a:lnRef idx="2">
-            <a:schemeClr val="accent6"/>
-          </a:lnRef>
-          <a:fillRef idx="1">
-            <a:schemeClr val="lt1"/>
-          </a:fillRef>
-          <a:effectRef idx="0">
-            <a:schemeClr val="accent6"/>
-          </a:effectRef>
-          <a:fontRef idx="minor">
-            <a:schemeClr val="dk1"/>
-          </a:fontRef>
-        </p:style>
-        <p:txBody>
-          <a:bodyPr rtlCol="0" anchor="ctr"/>
-          <a:lstStyle/>
-          <a:p>
-            <a:pPr algn="ctr"/>
-            <a:r>
-              <a:rPr lang="en-US" altLang="zh-CN" dirty="0" smtClean="0"/>
-              <a:t>manage</a:t>
-            </a:r>
-            <a:endParaRPr lang="zh-CN" altLang="en-US" dirty="0"/>
-          </a:p>
-        </p:txBody>
-      </p:sp>
-      <p:sp>
-        <p:nvSpPr>
-          <p:cNvPr id="43" name="矩形 42"/>
-          <p:cNvSpPr/>
-          <p:nvPr/>
-        </p:nvSpPr>
-        <p:spPr>
-          <a:xfrm>
-            <a:off x="10633656" y="0"/>
+            <a:off x="8918619" y="4878948"/>
             <a:ext cx="1558344" cy="753414"/>
           </a:xfrm>
           <a:prstGeom prst="rect">
@@ -5640,8 +5863,8 @@
           <a:p>
             <a:pPr algn="ctr"/>
             <a:r>
-              <a:rPr lang="en-US" altLang="zh-CN" dirty="0" smtClean="0"/>
-              <a:t>Viewport</a:t>
+              <a:rPr lang="en-US" altLang="zh-CN" dirty="0" err="1" smtClean="0"/>
+              <a:t>Shader</a:t>
             </a:r>
             <a:endParaRPr lang="zh-CN" altLang="en-US" dirty="0"/>
           </a:p>
@@ -5649,13 +5872,13 @@
       </p:sp>
       <p:sp>
         <p:nvSpPr>
-          <p:cNvPr id="48" name="矩形 47"/>
+          <p:cNvPr id="22" name="矩形 21"/>
           <p:cNvSpPr/>
           <p:nvPr/>
         </p:nvSpPr>
         <p:spPr>
           <a:xfrm>
-            <a:off x="10633656" y="4587760"/>
+            <a:off x="8918619" y="6104586"/>
             <a:ext cx="1558344" cy="753414"/>
           </a:xfrm>
           <a:prstGeom prst="rect">
@@ -5685,7 +5908,7 @@
             <a:pPr algn="ctr"/>
             <a:r>
               <a:rPr lang="en-US" altLang="zh-CN" dirty="0" smtClean="0"/>
-              <a:t>Pawn</a:t>
+              <a:t>Material</a:t>
             </a:r>
             <a:endParaRPr lang="zh-CN" altLang="en-US" dirty="0"/>
           </a:p>
@@ -5693,107 +5916,24 @@
       </p:sp>
       <p:cxnSp>
         <p:nvCxnSpPr>
-          <p:cNvPr id="51" name="直接箭头连接符 50"/>
+          <p:cNvPr id="23" name="直接箭头连接符 22"/>
           <p:cNvCxnSpPr>
-            <a:stCxn id="26" idx="2"/>
-            <a:endCxn id="48" idx="0"/>
+            <a:stCxn id="17" idx="3"/>
+            <a:endCxn id="21" idx="1"/>
           </p:cNvCxnSpPr>
           <p:nvPr/>
         </p:nvCxnSpPr>
         <p:spPr>
-          <a:xfrm>
-            <a:off x="11412828" y="2973537"/>
-            <a:ext cx="0" cy="1614223"/>
+          <a:xfrm flipV="1">
+            <a:off x="7336664" y="5255655"/>
+            <a:ext cx="1581955" cy="1007433"/>
           </a:xfrm>
           <a:prstGeom prst="straightConnector1">
-            <a:avLst/>
-          </a:prstGeom>
-          <a:ln>
-            <a:tailEnd type="triangle"/>
-          </a:ln>
-        </p:spPr>
-        <p:style>
-          <a:lnRef idx="1">
-            <a:schemeClr val="accent1"/>
-          </a:lnRef>
-          <a:fillRef idx="0">
-            <a:schemeClr val="accent1"/>
-          </a:fillRef>
-          <a:effectRef idx="0">
-            <a:schemeClr val="accent1"/>
-          </a:effectRef>
-          <a:fontRef idx="minor">
-            <a:schemeClr val="tx1"/>
-          </a:fontRef>
-        </p:style>
-      </p:cxnSp>
-      <p:sp>
-        <p:nvSpPr>
-          <p:cNvPr id="59" name="圆角矩形 58"/>
-          <p:cNvSpPr/>
-          <p:nvPr/>
-        </p:nvSpPr>
-        <p:spPr>
-          <a:xfrm>
-            <a:off x="10981385" y="3585856"/>
-            <a:ext cx="862885" cy="194792"/>
-          </a:xfrm>
-          <a:prstGeom prst="roundRect">
             <a:avLst/>
           </a:prstGeom>
           <a:ln>
             <a:solidFill>
-              <a:srgbClr val="00B0F0"/>
-            </a:solidFill>
-          </a:ln>
-        </p:spPr>
-        <p:style>
-          <a:lnRef idx="2">
-            <a:schemeClr val="accent6"/>
-          </a:lnRef>
-          <a:fillRef idx="1">
-            <a:schemeClr val="lt1"/>
-          </a:fillRef>
-          <a:effectRef idx="0">
-            <a:schemeClr val="accent6"/>
-          </a:effectRef>
-          <a:fontRef idx="minor">
-            <a:schemeClr val="dk1"/>
-          </a:fontRef>
-        </p:style>
-        <p:txBody>
-          <a:bodyPr rtlCol="0" anchor="ctr"/>
-          <a:lstStyle/>
-          <a:p>
-            <a:pPr algn="ctr"/>
-            <a:r>
-              <a:rPr lang="en-US" altLang="zh-CN" dirty="0" smtClean="0"/>
-              <a:t>derive</a:t>
-            </a:r>
-            <a:endParaRPr lang="zh-CN" altLang="en-US" dirty="0"/>
-          </a:p>
-        </p:txBody>
-      </p:sp>
-      <p:cxnSp>
-        <p:nvCxnSpPr>
-          <p:cNvPr id="63" name="直接箭头连接符 62"/>
-          <p:cNvCxnSpPr>
-            <a:stCxn id="48" idx="1"/>
-            <a:endCxn id="36" idx="3"/>
-          </p:cNvCxnSpPr>
-          <p:nvPr/>
-        </p:nvCxnSpPr>
-        <p:spPr>
-          <a:xfrm flipH="1" flipV="1">
-            <a:off x="6626181" y="2547279"/>
-            <a:ext cx="4007475" cy="2417188"/>
-          </a:xfrm>
-          <a:prstGeom prst="straightConnector1">
-            <a:avLst/>
-          </a:prstGeom>
-          <a:ln>
-            <a:solidFill>
-              <a:srgbClr val="00B050"/>
+              <a:srgbClr val="FF0000"/>
             </a:solidFill>
             <a:tailEnd type="triangle"/>
           </a:ln>
@@ -5813,10 +5953,276 @@
           </a:fontRef>
         </p:style>
       </p:cxnSp>
+      <p:cxnSp>
+        <p:nvCxnSpPr>
+          <p:cNvPr id="26" name="直接箭头连接符 25"/>
+          <p:cNvCxnSpPr>
+            <a:stCxn id="17" idx="3"/>
+            <a:endCxn id="22" idx="1"/>
+          </p:cNvCxnSpPr>
+          <p:nvPr/>
+        </p:nvCxnSpPr>
+        <p:spPr>
+          <a:xfrm>
+            <a:off x="7336664" y="6263088"/>
+            <a:ext cx="1581955" cy="218205"/>
+          </a:xfrm>
+          <a:prstGeom prst="straightConnector1">
+            <a:avLst/>
+          </a:prstGeom>
+          <a:ln>
+            <a:solidFill>
+              <a:srgbClr val="FF0000"/>
+            </a:solidFill>
+            <a:tailEnd type="triangle"/>
+          </a:ln>
+        </p:spPr>
+        <p:style>
+          <a:lnRef idx="1">
+            <a:schemeClr val="accent1"/>
+          </a:lnRef>
+          <a:fillRef idx="0">
+            <a:schemeClr val="accent1"/>
+          </a:fillRef>
+          <a:effectRef idx="0">
+            <a:schemeClr val="accent1"/>
+          </a:effectRef>
+          <a:fontRef idx="minor">
+            <a:schemeClr val="tx1"/>
+          </a:fontRef>
+        </p:style>
+      </p:cxnSp>
+      <p:cxnSp>
+        <p:nvCxnSpPr>
+          <p:cNvPr id="31" name="直接箭头连接符 30"/>
+          <p:cNvCxnSpPr/>
+          <p:nvPr/>
+        </p:nvCxnSpPr>
+        <p:spPr>
+          <a:xfrm flipV="1">
+            <a:off x="1786942" y="1938271"/>
+            <a:ext cx="418564" cy="739"/>
+          </a:xfrm>
+          <a:prstGeom prst="straightConnector1">
+            <a:avLst/>
+          </a:prstGeom>
+          <a:ln w="38100">
+            <a:solidFill>
+              <a:srgbClr val="FF0000"/>
+            </a:solidFill>
+            <a:tailEnd type="triangle"/>
+          </a:ln>
+        </p:spPr>
+        <p:style>
+          <a:lnRef idx="1">
+            <a:schemeClr val="accent1"/>
+          </a:lnRef>
+          <a:fillRef idx="0">
+            <a:schemeClr val="accent1"/>
+          </a:fillRef>
+          <a:effectRef idx="0">
+            <a:schemeClr val="accent1"/>
+          </a:effectRef>
+          <a:fontRef idx="minor">
+            <a:schemeClr val="tx1"/>
+          </a:fontRef>
+        </p:style>
+      </p:cxnSp>
+      <p:sp>
+        <p:nvSpPr>
+          <p:cNvPr id="34" name="矩形 33"/>
+          <p:cNvSpPr/>
+          <p:nvPr/>
+        </p:nvSpPr>
+        <p:spPr>
+          <a:xfrm>
+            <a:off x="1217052" y="2263326"/>
+            <a:ext cx="1558344" cy="753414"/>
+          </a:xfrm>
+          <a:prstGeom prst="rect">
+            <a:avLst/>
+          </a:prstGeom>
+          <a:solidFill>
+            <a:schemeClr val="bg1"/>
+          </a:solidFill>
+          <a:ln>
+            <a:solidFill>
+              <a:schemeClr val="bg1"/>
+            </a:solidFill>
+          </a:ln>
+        </p:spPr>
+        <p:style>
+          <a:lnRef idx="2">
+            <a:schemeClr val="accent1">
+              <a:shade val="50000"/>
+            </a:schemeClr>
+          </a:lnRef>
+          <a:fillRef idx="1">
+            <a:schemeClr val="accent1"/>
+          </a:fillRef>
+          <a:effectRef idx="0">
+            <a:schemeClr val="accent1"/>
+          </a:effectRef>
+          <a:fontRef idx="minor">
+            <a:schemeClr val="lt1"/>
+          </a:fontRef>
+        </p:style>
+        <p:txBody>
+          <a:bodyPr rtlCol="0" anchor="ctr"/>
+          <a:lstStyle/>
+          <a:p>
+            <a:pPr algn="ctr"/>
+            <a:r>
+              <a:rPr lang="en-US" altLang="zh-CN" dirty="0" smtClean="0">
+                <a:solidFill>
+                  <a:schemeClr val="tx1"/>
+                </a:solidFill>
+              </a:rPr>
+              <a:t>A owns B by </a:t>
+            </a:r>
+            <a:r>
+              <a:rPr lang="en-US" altLang="zh-CN" dirty="0" err="1" smtClean="0">
+                <a:solidFill>
+                  <a:schemeClr val="tx1"/>
+                </a:solidFill>
+              </a:rPr>
+              <a:t>shared_ptr</a:t>
+            </a:r>
+            <a:r>
+              <a:rPr lang="en-US" altLang="zh-CN" dirty="0" smtClean="0">
+                <a:solidFill>
+                  <a:schemeClr val="tx1"/>
+                </a:solidFill>
+              </a:rPr>
+              <a:t>.</a:t>
+            </a:r>
+          </a:p>
+        </p:txBody>
+      </p:sp>
+      <p:sp>
+        <p:nvSpPr>
+          <p:cNvPr id="36" name="矩形 35"/>
+          <p:cNvSpPr/>
+          <p:nvPr/>
+        </p:nvSpPr>
+        <p:spPr>
+          <a:xfrm flipH="1">
+            <a:off x="1316855" y="1592937"/>
+            <a:ext cx="491012" cy="690665"/>
+          </a:xfrm>
+          <a:prstGeom prst="rect">
+            <a:avLst/>
+          </a:prstGeom>
+          <a:solidFill>
+            <a:schemeClr val="bg1"/>
+          </a:solidFill>
+          <a:ln>
+            <a:solidFill>
+              <a:schemeClr val="bg1"/>
+            </a:solidFill>
+          </a:ln>
+        </p:spPr>
+        <p:style>
+          <a:lnRef idx="2">
+            <a:schemeClr val="accent1">
+              <a:shade val="50000"/>
+            </a:schemeClr>
+          </a:lnRef>
+          <a:fillRef idx="1">
+            <a:schemeClr val="accent1"/>
+          </a:fillRef>
+          <a:effectRef idx="0">
+            <a:schemeClr val="accent1"/>
+          </a:effectRef>
+          <a:fontRef idx="minor">
+            <a:schemeClr val="lt1"/>
+          </a:fontRef>
+        </p:style>
+        <p:txBody>
+          <a:bodyPr rtlCol="0" anchor="ctr"/>
+          <a:lstStyle/>
+          <a:p>
+            <a:pPr algn="ctr"/>
+            <a:r>
+              <a:rPr lang="en-US" altLang="zh-CN" dirty="0" smtClean="0">
+                <a:solidFill>
+                  <a:schemeClr val="tx1"/>
+                </a:solidFill>
+              </a:rPr>
+              <a:t>A</a:t>
+            </a:r>
+            <a:r>
+              <a:rPr lang="en-US" altLang="zh-CN" dirty="0" smtClean="0"/>
+              <a:t>t</a:t>
+            </a:r>
+            <a:endParaRPr lang="zh-CN" altLang="en-US" dirty="0"/>
+          </a:p>
+        </p:txBody>
+      </p:sp>
+      <p:sp>
+        <p:nvSpPr>
+          <p:cNvPr id="37" name="矩形 36"/>
+          <p:cNvSpPr/>
+          <p:nvPr/>
+        </p:nvSpPr>
+        <p:spPr>
+          <a:xfrm>
+            <a:off x="2239315" y="1719449"/>
+            <a:ext cx="444319" cy="437643"/>
+          </a:xfrm>
+          <a:prstGeom prst="rect">
+            <a:avLst/>
+          </a:prstGeom>
+          <a:solidFill>
+            <a:schemeClr val="bg1"/>
+          </a:solidFill>
+          <a:ln>
+            <a:solidFill>
+              <a:schemeClr val="bg1"/>
+            </a:solidFill>
+          </a:ln>
+        </p:spPr>
+        <p:style>
+          <a:lnRef idx="2">
+            <a:schemeClr val="accent1">
+              <a:shade val="50000"/>
+            </a:schemeClr>
+          </a:lnRef>
+          <a:fillRef idx="1">
+            <a:schemeClr val="accent1"/>
+          </a:fillRef>
+          <a:effectRef idx="0">
+            <a:schemeClr val="accent1"/>
+          </a:effectRef>
+          <a:fontRef idx="minor">
+            <a:schemeClr val="lt1"/>
+          </a:fontRef>
+        </p:style>
+        <p:txBody>
+          <a:bodyPr rtlCol="0" anchor="ctr"/>
+          <a:lstStyle/>
+          <a:p>
+            <a:pPr algn="ctr"/>
+            <a:r>
+              <a:rPr lang="en-US" altLang="zh-CN" dirty="0" smtClean="0">
+                <a:solidFill>
+                  <a:schemeClr val="tx1"/>
+                </a:solidFill>
+              </a:rPr>
+              <a:t>B</a:t>
+            </a:r>
+            <a:endParaRPr lang="zh-CN" altLang="en-US" dirty="0">
+              <a:solidFill>
+                <a:schemeClr val="tx1"/>
+              </a:solidFill>
+            </a:endParaRPr>
+          </a:p>
+        </p:txBody>
+      </p:sp>
     </p:spTree>
     <p:extLst>
       <p:ext uri="{BB962C8B-B14F-4D97-AF65-F5344CB8AC3E}">
-        <p14:creationId xmlns:p14="http://schemas.microsoft.com/office/powerpoint/2010/main" val="1250370031"/>
+        <p14:creationId xmlns:p14="http://schemas.microsoft.com/office/powerpoint/2010/main" val="493912752"/>
       </p:ext>
     </p:extLst>
   </p:cSld>
@@ -5845,16 +6251,58 @@
       </p:grpSpPr>
       <p:sp>
         <p:nvSpPr>
-          <p:cNvPr id="5" name="矩形 4"/>
+          <p:cNvPr id="6" name="矩形 5"/>
           <p:cNvSpPr/>
           <p:nvPr/>
         </p:nvSpPr>
         <p:spPr>
           <a:xfrm>
-            <a:off x="5778320" y="2454162"/>
-            <a:ext cx="1558344" cy="753414"/>
+            <a:off x="0" y="0"/>
+            <a:ext cx="1609859" cy="714777"/>
           </a:xfrm>
           <a:prstGeom prst="rect">
+            <a:avLst/>
+          </a:prstGeom>
+        </p:spPr>
+        <p:style>
+          <a:lnRef idx="0">
+            <a:schemeClr val="accent2"/>
+          </a:lnRef>
+          <a:fillRef idx="3">
+            <a:schemeClr val="accent2"/>
+          </a:fillRef>
+          <a:effectRef idx="3">
+            <a:schemeClr val="accent2"/>
+          </a:effectRef>
+          <a:fontRef idx="minor">
+            <a:schemeClr val="lt1"/>
+          </a:fontRef>
+        </p:style>
+        <p:txBody>
+          <a:bodyPr rtlCol="0" anchor="ctr"/>
+          <a:lstStyle/>
+          <a:p>
+            <a:pPr algn="ctr"/>
+            <a:r>
+              <a:rPr lang="en-US" altLang="zh-CN" dirty="0" smtClean="0"/>
+              <a:t>GUI</a:t>
+            </a:r>
+            <a:endParaRPr lang="zh-CN" altLang="en-US" dirty="0"/>
+          </a:p>
+        </p:txBody>
+      </p:sp>
+      <p:sp>
+        <p:nvSpPr>
+          <p:cNvPr id="5" name="流程图: 可选过程 4"/>
+          <p:cNvSpPr/>
+          <p:nvPr/>
+        </p:nvSpPr>
+        <p:spPr>
+          <a:xfrm>
+            <a:off x="0" y="2273115"/>
+            <a:ext cx="2157211" cy="907963"/>
+          </a:xfrm>
+          <a:prstGeom prst="flowChartAlternateProcess">
             <a:avLst/>
           </a:prstGeom>
         </p:spPr>
@@ -5881,7 +6329,18 @@
             <a:pPr algn="ctr"/>
             <a:r>
               <a:rPr lang="en-US" altLang="zh-CN" dirty="0" smtClean="0"/>
-              <a:t>Level</a:t>
+              <a:t>C++</a:t>
+            </a:r>
+          </a:p>
+          <a:p>
+            <a:pPr algn="ctr"/>
+            <a:r>
+              <a:rPr lang="en-US" altLang="zh-CN" dirty="0" err="1" smtClean="0"/>
+              <a:t>GUI.onRender</a:t>
+            </a:r>
+            <a:r>
+              <a:rPr lang="en-US" altLang="zh-CN" dirty="0" smtClean="0"/>
+              <a:t>()</a:t>
             </a:r>
             <a:endParaRPr lang="zh-CN" altLang="en-US" dirty="0"/>
           </a:p>
@@ -5889,16 +6348,16 @@
       </p:sp>
       <p:sp>
         <p:nvSpPr>
-          <p:cNvPr id="6" name="矩形 5"/>
+          <p:cNvPr id="7" name="流程图: 可选过程 6"/>
           <p:cNvSpPr/>
           <p:nvPr/>
         </p:nvSpPr>
         <p:spPr>
           <a:xfrm>
-            <a:off x="5778320" y="1373411"/>
-            <a:ext cx="1558344" cy="753414"/>
-          </a:xfrm>
-          <a:prstGeom prst="rect">
+            <a:off x="5082862" y="2273118"/>
+            <a:ext cx="2157211" cy="907961"/>
+          </a:xfrm>
+          <a:prstGeom prst="flowChartAlternateProcess">
             <a:avLst/>
           </a:prstGeom>
         </p:spPr>
@@ -5925,24 +6384,113 @@
             <a:pPr algn="ctr"/>
             <a:r>
               <a:rPr lang="en-US" altLang="zh-CN" dirty="0" smtClean="0"/>
-              <a:t>Viewport</a:t>
+              <a:t>C#</a:t>
+            </a:r>
+          </a:p>
+          <a:p>
+            <a:pPr algn="ctr"/>
+            <a:r>
+              <a:rPr lang="en-US" altLang="zh-CN" dirty="0" err="1" smtClean="0"/>
+              <a:t>GUI.onRender</a:t>
+            </a:r>
+            <a:r>
+              <a:rPr lang="en-US" altLang="zh-CN" dirty="0" smtClean="0"/>
+              <a:t>()</a:t>
             </a:r>
             <a:endParaRPr lang="zh-CN" altLang="en-US" dirty="0"/>
           </a:p>
         </p:txBody>
       </p:sp>
-      <p:sp>
-        <p:nvSpPr>
-          <p:cNvPr id="7" name="矩形 6"/>
+      <p:cxnSp>
+        <p:nvCxnSpPr>
+          <p:cNvPr id="9" name="直接箭头连接符 8"/>
+          <p:cNvCxnSpPr>
+            <a:stCxn id="5" idx="3"/>
+            <a:endCxn id="7" idx="1"/>
+          </p:cNvCxnSpPr>
+          <p:nvPr/>
+        </p:nvCxnSpPr>
+        <p:spPr>
+          <a:xfrm>
+            <a:off x="2157211" y="2727097"/>
+            <a:ext cx="2925651" cy="2"/>
+          </a:xfrm>
+          <a:prstGeom prst="straightConnector1">
+            <a:avLst/>
+          </a:prstGeom>
+          <a:ln>
+            <a:tailEnd type="triangle"/>
+          </a:ln>
+        </p:spPr>
+        <p:style>
+          <a:lnRef idx="1">
+            <a:schemeClr val="accent1"/>
+          </a:lnRef>
+          <a:fillRef idx="0">
+            <a:schemeClr val="accent1"/>
+          </a:fillRef>
+          <a:effectRef idx="0">
+            <a:schemeClr val="accent1"/>
+          </a:effectRef>
+          <a:fontRef idx="minor">
+            <a:schemeClr val="tx1"/>
+          </a:fontRef>
+        </p:style>
+      </p:cxnSp>
+      <p:sp>
+        <p:nvSpPr>
+          <p:cNvPr id="11" name="流程图: 可选过程 10"/>
           <p:cNvSpPr/>
           <p:nvPr/>
         </p:nvSpPr>
         <p:spPr>
           <a:xfrm>
-            <a:off x="5778320" y="3598235"/>
-            <a:ext cx="1558344" cy="753414"/>
-          </a:xfrm>
-          <a:prstGeom prst="rect">
+            <a:off x="3015802" y="2616552"/>
+            <a:ext cx="880058" cy="221090"/>
+          </a:xfrm>
+          <a:prstGeom prst="flowChartAlternateProcess">
+            <a:avLst/>
+          </a:prstGeom>
+        </p:spPr>
+        <p:style>
+          <a:lnRef idx="2">
+            <a:schemeClr val="dk1"/>
+          </a:lnRef>
+          <a:fillRef idx="1">
+            <a:schemeClr val="lt1"/>
+          </a:fillRef>
+          <a:effectRef idx="0">
+            <a:schemeClr val="dk1"/>
+          </a:effectRef>
+          <a:fontRef idx="minor">
+            <a:schemeClr val="dk1"/>
+          </a:fontRef>
+        </p:style>
+        <p:txBody>
+          <a:bodyPr rtlCol="0" anchor="ctr"/>
+          <a:lstStyle/>
+          <a:p>
+            <a:pPr algn="ctr"/>
+            <a:r>
+              <a:rPr lang="en-US" altLang="zh-CN" dirty="0" smtClean="0"/>
+              <a:t>invoke</a:t>
+            </a:r>
+            <a:endParaRPr lang="zh-CN" altLang="en-US" dirty="0"/>
+          </a:p>
+        </p:txBody>
+      </p:sp>
+      <p:sp>
+        <p:nvSpPr>
+          <p:cNvPr id="14" name="流程图: 可选过程 13"/>
+          <p:cNvSpPr/>
+          <p:nvPr/>
+        </p:nvSpPr>
+        <p:spPr>
+          <a:xfrm>
+            <a:off x="10034789" y="2273118"/>
+            <a:ext cx="2157211" cy="907961"/>
+          </a:xfrm>
+          <a:prstGeom prst="flowChartAlternateProcess">
             <a:avLst/>
           </a:prstGeom>
         </p:spPr>
@@ -5969,24 +6517,116 @@
             <a:pPr algn="ctr"/>
             <a:r>
               <a:rPr lang="en-US" altLang="zh-CN" dirty="0" smtClean="0"/>
-              <a:t>Actor</a:t>
+              <a:t>C++</a:t>
+            </a:r>
+          </a:p>
+          <a:p>
+            <a:pPr algn="ctr"/>
+            <a:r>
+              <a:rPr lang="en-US" altLang="zh-CN" dirty="0" smtClean="0"/>
+              <a:t>Everything</a:t>
             </a:r>
             <a:endParaRPr lang="zh-CN" altLang="en-US" dirty="0"/>
           </a:p>
         </p:txBody>
       </p:sp>
-      <p:sp>
-        <p:nvSpPr>
-          <p:cNvPr id="8" name="矩形 7"/>
+      <p:cxnSp>
+        <p:nvCxnSpPr>
+          <p:cNvPr id="16" name="直接箭头连接符 15"/>
+          <p:cNvCxnSpPr>
+            <a:stCxn id="7" idx="3"/>
+            <a:endCxn id="14" idx="1"/>
+          </p:cNvCxnSpPr>
+          <p:nvPr/>
+        </p:nvCxnSpPr>
+        <p:spPr>
+          <a:xfrm>
+            <a:off x="7240073" y="2727099"/>
+            <a:ext cx="2794716" cy="0"/>
+          </a:xfrm>
+          <a:prstGeom prst="straightConnector1">
+            <a:avLst/>
+          </a:prstGeom>
+          <a:ln>
+            <a:tailEnd type="triangle"/>
+          </a:ln>
+        </p:spPr>
+        <p:style>
+          <a:lnRef idx="1">
+            <a:schemeClr val="accent1"/>
+          </a:lnRef>
+          <a:fillRef idx="0">
+            <a:schemeClr val="accent1"/>
+          </a:fillRef>
+          <a:effectRef idx="0">
+            <a:schemeClr val="accent1"/>
+          </a:effectRef>
+          <a:fontRef idx="minor">
+            <a:schemeClr val="tx1"/>
+          </a:fontRef>
+        </p:style>
+      </p:cxnSp>
+      <p:sp>
+        <p:nvSpPr>
+          <p:cNvPr id="15" name="流程图: 可选过程 14"/>
           <p:cNvSpPr/>
           <p:nvPr/>
         </p:nvSpPr>
         <p:spPr>
           <a:xfrm>
-            <a:off x="5778320" y="4742308"/>
-            <a:ext cx="1558344" cy="753414"/>
-          </a:xfrm>
-          <a:prstGeom prst="rect">
+            <a:off x="8060029" y="2338586"/>
+            <a:ext cx="1217055" cy="777022"/>
+          </a:xfrm>
+          <a:prstGeom prst="flowChartAlternateProcess">
+            <a:avLst/>
+          </a:prstGeom>
+        </p:spPr>
+        <p:style>
+          <a:lnRef idx="2">
+            <a:schemeClr val="dk1"/>
+          </a:lnRef>
+          <a:fillRef idx="1">
+            <a:schemeClr val="lt1"/>
+          </a:fillRef>
+          <a:effectRef idx="0">
+            <a:schemeClr val="dk1"/>
+          </a:effectRef>
+          <a:fontRef idx="minor">
+            <a:schemeClr val="dk1"/>
+          </a:fontRef>
+        </p:style>
+        <p:txBody>
+          <a:bodyPr rtlCol="0" anchor="ctr"/>
+          <a:lstStyle/>
+          <a:p>
+            <a:pPr algn="ctr"/>
+            <a:r>
+              <a:rPr lang="en-US" altLang="zh-CN" dirty="0" smtClean="0"/>
+              <a:t>read info and </a:t>
+            </a:r>
+          </a:p>
+          <a:p>
+            <a:pPr algn="ctr"/>
+            <a:r>
+              <a:rPr lang="en-US" altLang="zh-CN" dirty="0" smtClean="0"/>
+              <a:t>invoke</a:t>
+            </a:r>
+            <a:endParaRPr lang="zh-CN" altLang="en-US" dirty="0"/>
+          </a:p>
+        </p:txBody>
+      </p:sp>
+      <p:sp>
+        <p:nvSpPr>
+          <p:cNvPr id="28" name="流程图: 可选过程 27"/>
+          <p:cNvSpPr/>
+          <p:nvPr/>
+        </p:nvSpPr>
+        <p:spPr>
+          <a:xfrm>
+            <a:off x="5082862" y="4466820"/>
+            <a:ext cx="2157211" cy="907961"/>
+          </a:xfrm>
+          <a:prstGeom prst="flowChartAlternateProcess">
             <a:avLst/>
           </a:prstGeom>
         </p:spPr>
@@ -6013,7 +6653,7 @@
             <a:pPr algn="ctr"/>
             <a:r>
               <a:rPr lang="en-US" altLang="zh-CN" dirty="0" smtClean="0"/>
-              <a:t>Model</a:t>
+              <a:t>files</a:t>
             </a:r>
             <a:endParaRPr lang="zh-CN" altLang="en-US" dirty="0"/>
           </a:p>
@@ -6021,25 +6661,22 @@
       </p:sp>
       <p:cxnSp>
         <p:nvCxnSpPr>
-          <p:cNvPr id="9" name="直接箭头连接符 8"/>
+          <p:cNvPr id="29" name="直接箭头连接符 28"/>
           <p:cNvCxnSpPr>
-            <a:stCxn id="6" idx="2"/>
-            <a:endCxn id="5" idx="0"/>
+            <a:stCxn id="7" idx="2"/>
+            <a:endCxn id="28" idx="0"/>
           </p:cNvCxnSpPr>
           <p:nvPr/>
         </p:nvCxnSpPr>
         <p:spPr>
           <a:xfrm>
-            <a:off x="6557492" y="2126825"/>
-            <a:ext cx="0" cy="327337"/>
+            <a:off x="6161468" y="3181079"/>
+            <a:ext cx="0" cy="1285741"/>
           </a:xfrm>
           <a:prstGeom prst="straightConnector1">
             <a:avLst/>
           </a:prstGeom>
           <a:ln>
-            <a:solidFill>
-              <a:srgbClr val="FF0000"/>
-            </a:solidFill>
             <a:tailEnd type="triangle"/>
           </a:ln>
         </p:spPr>
@@ -6058,111 +6695,33 @@
           </a:fontRef>
         </p:style>
       </p:cxnSp>
-      <p:cxnSp>
-        <p:nvCxnSpPr>
-          <p:cNvPr id="10" name="直接箭头连接符 9"/>
-          <p:cNvCxnSpPr>
-            <a:stCxn id="5" idx="2"/>
-            <a:endCxn id="7" idx="0"/>
-          </p:cNvCxnSpPr>
-          <p:nvPr/>
-        </p:nvCxnSpPr>
-        <p:spPr>
-          <a:xfrm>
-            <a:off x="6557492" y="3207576"/>
-            <a:ext cx="0" cy="390659"/>
-          </a:xfrm>
-          <a:prstGeom prst="straightConnector1">
-            <a:avLst/>
-          </a:prstGeom>
-          <a:ln>
-            <a:solidFill>
-              <a:srgbClr val="FF0000"/>
-            </a:solidFill>
-            <a:tailEnd type="triangle"/>
-          </a:ln>
-        </p:spPr>
-        <p:style>
-          <a:lnRef idx="1">
-            <a:schemeClr val="accent1"/>
-          </a:lnRef>
-          <a:fillRef idx="0">
-            <a:schemeClr val="accent1"/>
-          </a:fillRef>
-          <a:effectRef idx="0">
-            <a:schemeClr val="accent1"/>
-          </a:effectRef>
-          <a:fontRef idx="minor">
-            <a:schemeClr val="tx1"/>
-          </a:fontRef>
-        </p:style>
-      </p:cxnSp>
-      <p:cxnSp>
-        <p:nvCxnSpPr>
-          <p:cNvPr id="11" name="直接箭头连接符 10"/>
-          <p:cNvCxnSpPr>
-            <a:stCxn id="7" idx="2"/>
-            <a:endCxn id="8" idx="0"/>
-          </p:cNvCxnSpPr>
-          <p:nvPr/>
-        </p:nvCxnSpPr>
-        <p:spPr>
-          <a:xfrm>
-            <a:off x="6557492" y="4351649"/>
-            <a:ext cx="0" cy="390659"/>
-          </a:xfrm>
-          <a:prstGeom prst="straightConnector1">
-            <a:avLst/>
-          </a:prstGeom>
-          <a:ln>
-            <a:solidFill>
-              <a:srgbClr val="FF0000"/>
-            </a:solidFill>
-            <a:tailEnd type="triangle"/>
-          </a:ln>
-        </p:spPr>
-        <p:style>
-          <a:lnRef idx="1">
-            <a:schemeClr val="accent1"/>
-          </a:lnRef>
-          <a:fillRef idx="0">
-            <a:schemeClr val="accent1"/>
-          </a:fillRef>
-          <a:effectRef idx="0">
-            <a:schemeClr val="accent1"/>
-          </a:effectRef>
-          <a:fontRef idx="minor">
-            <a:schemeClr val="tx1"/>
-          </a:fontRef>
-        </p:style>
-      </p:cxnSp>
-      <p:sp>
-        <p:nvSpPr>
-          <p:cNvPr id="12" name="矩形 11"/>
+      <p:sp>
+        <p:nvSpPr>
+          <p:cNvPr id="32" name="流程图: 可选过程 31"/>
           <p:cNvSpPr/>
           <p:nvPr/>
         </p:nvSpPr>
         <p:spPr>
           <a:xfrm>
-            <a:off x="0" y="0"/>
-            <a:ext cx="1609859" cy="714777"/>
-          </a:xfrm>
-          <a:prstGeom prst="rect">
-            <a:avLst/>
-          </a:prstGeom>
-        </p:spPr>
-        <p:style>
-          <a:lnRef idx="0">
-            <a:schemeClr val="accent2"/>
-          </a:lnRef>
-          <a:fillRef idx="3">
-            <a:schemeClr val="accent2"/>
-          </a:fillRef>
-          <a:effectRef idx="3">
-            <a:schemeClr val="accent2"/>
-          </a:effectRef>
-          <a:fontRef idx="minor">
+            <a:off x="5721439" y="3526658"/>
+            <a:ext cx="880058" cy="562382"/>
+          </a:xfrm>
+          <a:prstGeom prst="flowChartAlternateProcess">
+            <a:avLst/>
+          </a:prstGeom>
+        </p:spPr>
+        <p:style>
+          <a:lnRef idx="2">
+            <a:schemeClr val="dk1"/>
+          </a:lnRef>
+          <a:fillRef idx="1">
             <a:schemeClr val="lt1"/>
+          </a:fillRef>
+          <a:effectRef idx="0">
+            <a:schemeClr val="dk1"/>
+          </a:effectRef>
+          <a:fontRef idx="minor">
+            <a:schemeClr val="dk1"/>
           </a:fontRef>
         </p:style>
         <p:txBody>
@@ -6172,575 +6731,16 @@
             <a:pPr algn="ctr"/>
             <a:r>
               <a:rPr lang="en-US" altLang="zh-CN" dirty="0" smtClean="0"/>
-              <a:t>Memory Management</a:t>
+              <a:t>read info</a:t>
             </a:r>
             <a:endParaRPr lang="zh-CN" altLang="en-US" dirty="0"/>
-          </a:p>
-        </p:txBody>
-      </p:sp>
-      <p:sp>
-        <p:nvSpPr>
-          <p:cNvPr id="13" name="矩形 12"/>
-          <p:cNvSpPr/>
-          <p:nvPr/>
-        </p:nvSpPr>
-        <p:spPr>
-          <a:xfrm>
-            <a:off x="5778320" y="292660"/>
-            <a:ext cx="1558344" cy="753414"/>
-          </a:xfrm>
-          <a:prstGeom prst="rect">
-            <a:avLst/>
-          </a:prstGeom>
-        </p:spPr>
-        <p:style>
-          <a:lnRef idx="2">
-            <a:schemeClr val="accent1">
-              <a:shade val="50000"/>
-            </a:schemeClr>
-          </a:lnRef>
-          <a:fillRef idx="1">
-            <a:schemeClr val="accent1"/>
-          </a:fillRef>
-          <a:effectRef idx="0">
-            <a:schemeClr val="accent1"/>
-          </a:effectRef>
-          <a:fontRef idx="minor">
-            <a:schemeClr val="lt1"/>
-          </a:fontRef>
-        </p:style>
-        <p:txBody>
-          <a:bodyPr rtlCol="0" anchor="ctr"/>
-          <a:lstStyle/>
-          <a:p>
-            <a:pPr algn="ctr"/>
-            <a:r>
-              <a:rPr lang="en-US" altLang="zh-CN" dirty="0" smtClean="0"/>
-              <a:t>Window</a:t>
-            </a:r>
-            <a:endParaRPr lang="zh-CN" altLang="en-US" dirty="0"/>
-          </a:p>
-        </p:txBody>
-      </p:sp>
-      <p:cxnSp>
-        <p:nvCxnSpPr>
-          <p:cNvPr id="14" name="直接箭头连接符 13"/>
-          <p:cNvCxnSpPr>
-            <a:stCxn id="13" idx="2"/>
-            <a:endCxn id="6" idx="0"/>
-          </p:cNvCxnSpPr>
-          <p:nvPr/>
-        </p:nvCxnSpPr>
-        <p:spPr>
-          <a:xfrm>
-            <a:off x="6557492" y="1046074"/>
-            <a:ext cx="0" cy="327337"/>
-          </a:xfrm>
-          <a:prstGeom prst="straightConnector1">
-            <a:avLst/>
-          </a:prstGeom>
-          <a:ln>
-            <a:solidFill>
-              <a:srgbClr val="FF0000"/>
-            </a:solidFill>
-            <a:tailEnd type="triangle"/>
-          </a:ln>
-        </p:spPr>
-        <p:style>
-          <a:lnRef idx="1">
-            <a:schemeClr val="accent1"/>
-          </a:lnRef>
-          <a:fillRef idx="0">
-            <a:schemeClr val="accent1"/>
-          </a:fillRef>
-          <a:effectRef idx="0">
-            <a:schemeClr val="accent1"/>
-          </a:effectRef>
-          <a:fontRef idx="minor">
-            <a:schemeClr val="tx1"/>
-          </a:fontRef>
-        </p:style>
-      </p:cxnSp>
-      <p:sp>
-        <p:nvSpPr>
-          <p:cNvPr id="17" name="矩形 16"/>
-          <p:cNvSpPr/>
-          <p:nvPr/>
-        </p:nvSpPr>
-        <p:spPr>
-          <a:xfrm>
-            <a:off x="5778320" y="5886381"/>
-            <a:ext cx="1558344" cy="753414"/>
-          </a:xfrm>
-          <a:prstGeom prst="rect">
-            <a:avLst/>
-          </a:prstGeom>
-        </p:spPr>
-        <p:style>
-          <a:lnRef idx="2">
-            <a:schemeClr val="accent1">
-              <a:shade val="50000"/>
-            </a:schemeClr>
-          </a:lnRef>
-          <a:fillRef idx="1">
-            <a:schemeClr val="accent1"/>
-          </a:fillRef>
-          <a:effectRef idx="0">
-            <a:schemeClr val="accent1"/>
-          </a:effectRef>
-          <a:fontRef idx="minor">
-            <a:schemeClr val="lt1"/>
-          </a:fontRef>
-        </p:style>
-        <p:txBody>
-          <a:bodyPr rtlCol="0" anchor="ctr"/>
-          <a:lstStyle/>
-          <a:p>
-            <a:pPr algn="ctr"/>
-            <a:r>
-              <a:rPr lang="en-US" altLang="zh-CN" dirty="0" smtClean="0"/>
-              <a:t>Mesh</a:t>
-            </a:r>
-            <a:endParaRPr lang="zh-CN" altLang="en-US" dirty="0"/>
-          </a:p>
-        </p:txBody>
-      </p:sp>
-      <p:cxnSp>
-        <p:nvCxnSpPr>
-          <p:cNvPr id="18" name="直接箭头连接符 17"/>
-          <p:cNvCxnSpPr>
-            <a:stCxn id="8" idx="2"/>
-            <a:endCxn id="17" idx="0"/>
-          </p:cNvCxnSpPr>
-          <p:nvPr/>
-        </p:nvCxnSpPr>
-        <p:spPr>
-          <a:xfrm>
-            <a:off x="6557492" y="5495722"/>
-            <a:ext cx="0" cy="390659"/>
-          </a:xfrm>
-          <a:prstGeom prst="straightConnector1">
-            <a:avLst/>
-          </a:prstGeom>
-          <a:ln w="6350">
-            <a:solidFill>
-              <a:srgbClr val="FF0000"/>
-            </a:solidFill>
-            <a:tailEnd type="triangle"/>
-          </a:ln>
-        </p:spPr>
-        <p:style>
-          <a:lnRef idx="1">
-            <a:schemeClr val="accent1"/>
-          </a:lnRef>
-          <a:fillRef idx="0">
-            <a:schemeClr val="accent1"/>
-          </a:fillRef>
-          <a:effectRef idx="0">
-            <a:schemeClr val="accent1"/>
-          </a:effectRef>
-          <a:fontRef idx="minor">
-            <a:schemeClr val="tx1"/>
-          </a:fontRef>
-        </p:style>
-      </p:cxnSp>
-      <p:sp>
-        <p:nvSpPr>
-          <p:cNvPr id="21" name="矩形 20"/>
-          <p:cNvSpPr/>
-          <p:nvPr/>
-        </p:nvSpPr>
-        <p:spPr>
-          <a:xfrm>
-            <a:off x="8918619" y="4878948"/>
-            <a:ext cx="1558344" cy="753414"/>
-          </a:xfrm>
-          <a:prstGeom prst="rect">
-            <a:avLst/>
-          </a:prstGeom>
-        </p:spPr>
-        <p:style>
-          <a:lnRef idx="2">
-            <a:schemeClr val="accent1">
-              <a:shade val="50000"/>
-            </a:schemeClr>
-          </a:lnRef>
-          <a:fillRef idx="1">
-            <a:schemeClr val="accent1"/>
-          </a:fillRef>
-          <a:effectRef idx="0">
-            <a:schemeClr val="accent1"/>
-          </a:effectRef>
-          <a:fontRef idx="minor">
-            <a:schemeClr val="lt1"/>
-          </a:fontRef>
-        </p:style>
-        <p:txBody>
-          <a:bodyPr rtlCol="0" anchor="ctr"/>
-          <a:lstStyle/>
-          <a:p>
-            <a:pPr algn="ctr"/>
-            <a:r>
-              <a:rPr lang="en-US" altLang="zh-CN" dirty="0" err="1" smtClean="0"/>
-              <a:t>Shader</a:t>
-            </a:r>
-            <a:endParaRPr lang="zh-CN" altLang="en-US" dirty="0"/>
-          </a:p>
-        </p:txBody>
-      </p:sp>
-      <p:sp>
-        <p:nvSpPr>
-          <p:cNvPr id="22" name="矩形 21"/>
-          <p:cNvSpPr/>
-          <p:nvPr/>
-        </p:nvSpPr>
-        <p:spPr>
-          <a:xfrm>
-            <a:off x="8918619" y="6104586"/>
-            <a:ext cx="1558344" cy="753414"/>
-          </a:xfrm>
-          <a:prstGeom prst="rect">
-            <a:avLst/>
-          </a:prstGeom>
-        </p:spPr>
-        <p:style>
-          <a:lnRef idx="2">
-            <a:schemeClr val="accent1">
-              <a:shade val="50000"/>
-            </a:schemeClr>
-          </a:lnRef>
-          <a:fillRef idx="1">
-            <a:schemeClr val="accent1"/>
-          </a:fillRef>
-          <a:effectRef idx="0">
-            <a:schemeClr val="accent1"/>
-          </a:effectRef>
-          <a:fontRef idx="minor">
-            <a:schemeClr val="lt1"/>
-          </a:fontRef>
-        </p:style>
-        <p:txBody>
-          <a:bodyPr rtlCol="0" anchor="ctr"/>
-          <a:lstStyle/>
-          <a:p>
-            <a:pPr algn="ctr"/>
-            <a:r>
-              <a:rPr lang="en-US" altLang="zh-CN" dirty="0" smtClean="0"/>
-              <a:t>Material</a:t>
-            </a:r>
-            <a:endParaRPr lang="zh-CN" altLang="en-US" dirty="0"/>
-          </a:p>
-        </p:txBody>
-      </p:sp>
-      <p:cxnSp>
-        <p:nvCxnSpPr>
-          <p:cNvPr id="23" name="直接箭头连接符 22"/>
-          <p:cNvCxnSpPr>
-            <a:stCxn id="17" idx="3"/>
-            <a:endCxn id="21" idx="1"/>
-          </p:cNvCxnSpPr>
-          <p:nvPr/>
-        </p:nvCxnSpPr>
-        <p:spPr>
-          <a:xfrm flipV="1">
-            <a:off x="7336664" y="5255655"/>
-            <a:ext cx="1581955" cy="1007433"/>
-          </a:xfrm>
-          <a:prstGeom prst="straightConnector1">
-            <a:avLst/>
-          </a:prstGeom>
-          <a:ln>
-            <a:solidFill>
-              <a:srgbClr val="FF0000"/>
-            </a:solidFill>
-            <a:tailEnd type="triangle"/>
-          </a:ln>
-        </p:spPr>
-        <p:style>
-          <a:lnRef idx="1">
-            <a:schemeClr val="accent1"/>
-          </a:lnRef>
-          <a:fillRef idx="0">
-            <a:schemeClr val="accent1"/>
-          </a:fillRef>
-          <a:effectRef idx="0">
-            <a:schemeClr val="accent1"/>
-          </a:effectRef>
-          <a:fontRef idx="minor">
-            <a:schemeClr val="tx1"/>
-          </a:fontRef>
-        </p:style>
-      </p:cxnSp>
-      <p:cxnSp>
-        <p:nvCxnSpPr>
-          <p:cNvPr id="26" name="直接箭头连接符 25"/>
-          <p:cNvCxnSpPr>
-            <a:stCxn id="17" idx="3"/>
-            <a:endCxn id="22" idx="1"/>
-          </p:cNvCxnSpPr>
-          <p:nvPr/>
-        </p:nvCxnSpPr>
-        <p:spPr>
-          <a:xfrm>
-            <a:off x="7336664" y="6263088"/>
-            <a:ext cx="1581955" cy="218205"/>
-          </a:xfrm>
-          <a:prstGeom prst="straightConnector1">
-            <a:avLst/>
-          </a:prstGeom>
-          <a:ln>
-            <a:solidFill>
-              <a:srgbClr val="FF0000"/>
-            </a:solidFill>
-            <a:tailEnd type="triangle"/>
-          </a:ln>
-        </p:spPr>
-        <p:style>
-          <a:lnRef idx="1">
-            <a:schemeClr val="accent1"/>
-          </a:lnRef>
-          <a:fillRef idx="0">
-            <a:schemeClr val="accent1"/>
-          </a:fillRef>
-          <a:effectRef idx="0">
-            <a:schemeClr val="accent1"/>
-          </a:effectRef>
-          <a:fontRef idx="minor">
-            <a:schemeClr val="tx1"/>
-          </a:fontRef>
-        </p:style>
-      </p:cxnSp>
-      <p:cxnSp>
-        <p:nvCxnSpPr>
-          <p:cNvPr id="31" name="直接箭头连接符 30"/>
-          <p:cNvCxnSpPr/>
-          <p:nvPr/>
-        </p:nvCxnSpPr>
-        <p:spPr>
-          <a:xfrm flipV="1">
-            <a:off x="1786942" y="1938271"/>
-            <a:ext cx="418564" cy="739"/>
-          </a:xfrm>
-          <a:prstGeom prst="straightConnector1">
-            <a:avLst/>
-          </a:prstGeom>
-          <a:ln w="38100">
-            <a:solidFill>
-              <a:srgbClr val="FF0000"/>
-            </a:solidFill>
-            <a:tailEnd type="triangle"/>
-          </a:ln>
-        </p:spPr>
-        <p:style>
-          <a:lnRef idx="1">
-            <a:schemeClr val="accent1"/>
-          </a:lnRef>
-          <a:fillRef idx="0">
-            <a:schemeClr val="accent1"/>
-          </a:fillRef>
-          <a:effectRef idx="0">
-            <a:schemeClr val="accent1"/>
-          </a:effectRef>
-          <a:fontRef idx="minor">
-            <a:schemeClr val="tx1"/>
-          </a:fontRef>
-        </p:style>
-      </p:cxnSp>
-      <p:sp>
-        <p:nvSpPr>
-          <p:cNvPr id="34" name="矩形 33"/>
-          <p:cNvSpPr/>
-          <p:nvPr/>
-        </p:nvSpPr>
-        <p:spPr>
-          <a:xfrm>
-            <a:off x="1217052" y="2263326"/>
-            <a:ext cx="1558344" cy="753414"/>
-          </a:xfrm>
-          <a:prstGeom prst="rect">
-            <a:avLst/>
-          </a:prstGeom>
-          <a:solidFill>
-            <a:schemeClr val="bg1"/>
-          </a:solidFill>
-          <a:ln>
-            <a:solidFill>
-              <a:schemeClr val="bg1"/>
-            </a:solidFill>
-          </a:ln>
-        </p:spPr>
-        <p:style>
-          <a:lnRef idx="2">
-            <a:schemeClr val="accent1">
-              <a:shade val="50000"/>
-            </a:schemeClr>
-          </a:lnRef>
-          <a:fillRef idx="1">
-            <a:schemeClr val="accent1"/>
-          </a:fillRef>
-          <a:effectRef idx="0">
-            <a:schemeClr val="accent1"/>
-          </a:effectRef>
-          <a:fontRef idx="minor">
-            <a:schemeClr val="lt1"/>
-          </a:fontRef>
-        </p:style>
-        <p:txBody>
-          <a:bodyPr rtlCol="0" anchor="ctr"/>
-          <a:lstStyle/>
-          <a:p>
-            <a:pPr algn="ctr"/>
-            <a:r>
-              <a:rPr lang="en-US" altLang="zh-CN" dirty="0" smtClean="0">
-                <a:solidFill>
-                  <a:schemeClr val="tx1"/>
-                </a:solidFill>
-              </a:rPr>
-              <a:t>A owns B by </a:t>
-            </a:r>
-            <a:r>
-              <a:rPr lang="en-US" altLang="zh-CN" dirty="0" err="1" smtClean="0">
-                <a:solidFill>
-                  <a:schemeClr val="tx1"/>
-                </a:solidFill>
-              </a:rPr>
-              <a:t>shared_ptr</a:t>
-            </a:r>
-            <a:r>
-              <a:rPr lang="en-US" altLang="zh-CN" dirty="0" smtClean="0">
-                <a:solidFill>
-                  <a:schemeClr val="tx1"/>
-                </a:solidFill>
-              </a:rPr>
-              <a:t>.</a:t>
-            </a:r>
-          </a:p>
-        </p:txBody>
-      </p:sp>
-      <p:sp>
-        <p:nvSpPr>
-          <p:cNvPr id="36" name="矩形 35"/>
-          <p:cNvSpPr/>
-          <p:nvPr/>
-        </p:nvSpPr>
-        <p:spPr>
-          <a:xfrm flipH="1">
-            <a:off x="1316855" y="1592937"/>
-            <a:ext cx="491012" cy="690665"/>
-          </a:xfrm>
-          <a:prstGeom prst="rect">
-            <a:avLst/>
-          </a:prstGeom>
-          <a:solidFill>
-            <a:schemeClr val="bg1"/>
-          </a:solidFill>
-          <a:ln>
-            <a:solidFill>
-              <a:schemeClr val="bg1"/>
-            </a:solidFill>
-          </a:ln>
-        </p:spPr>
-        <p:style>
-          <a:lnRef idx="2">
-            <a:schemeClr val="accent1">
-              <a:shade val="50000"/>
-            </a:schemeClr>
-          </a:lnRef>
-          <a:fillRef idx="1">
-            <a:schemeClr val="accent1"/>
-          </a:fillRef>
-          <a:effectRef idx="0">
-            <a:schemeClr val="accent1"/>
-          </a:effectRef>
-          <a:fontRef idx="minor">
-            <a:schemeClr val="lt1"/>
-          </a:fontRef>
-        </p:style>
-        <p:txBody>
-          <a:bodyPr rtlCol="0" anchor="ctr"/>
-          <a:lstStyle/>
-          <a:p>
-            <a:pPr algn="ctr"/>
-            <a:r>
-              <a:rPr lang="en-US" altLang="zh-CN" dirty="0" smtClean="0">
-                <a:solidFill>
-                  <a:schemeClr val="tx1"/>
-                </a:solidFill>
-              </a:rPr>
-              <a:t>A</a:t>
-            </a:r>
-            <a:r>
-              <a:rPr lang="en-US" altLang="zh-CN" dirty="0" smtClean="0"/>
-              <a:t>t</a:t>
-            </a:r>
-            <a:endParaRPr lang="zh-CN" altLang="en-US" dirty="0"/>
-          </a:p>
-        </p:txBody>
-      </p:sp>
-      <p:sp>
-        <p:nvSpPr>
-          <p:cNvPr id="37" name="矩形 36"/>
-          <p:cNvSpPr/>
-          <p:nvPr/>
-        </p:nvSpPr>
-        <p:spPr>
-          <a:xfrm>
-            <a:off x="2239315" y="1719449"/>
-            <a:ext cx="444319" cy="437643"/>
-          </a:xfrm>
-          <a:prstGeom prst="rect">
-            <a:avLst/>
-          </a:prstGeom>
-          <a:solidFill>
-            <a:schemeClr val="bg1"/>
-          </a:solidFill>
-          <a:ln>
-            <a:solidFill>
-              <a:schemeClr val="bg1"/>
-            </a:solidFill>
-          </a:ln>
-        </p:spPr>
-        <p:style>
-          <a:lnRef idx="2">
-            <a:schemeClr val="accent1">
-              <a:shade val="50000"/>
-            </a:schemeClr>
-          </a:lnRef>
-          <a:fillRef idx="1">
-            <a:schemeClr val="accent1"/>
-          </a:fillRef>
-          <a:effectRef idx="0">
-            <a:schemeClr val="accent1"/>
-          </a:effectRef>
-          <a:fontRef idx="minor">
-            <a:schemeClr val="lt1"/>
-          </a:fontRef>
-        </p:style>
-        <p:txBody>
-          <a:bodyPr rtlCol="0" anchor="ctr"/>
-          <a:lstStyle/>
-          <a:p>
-            <a:pPr algn="ctr"/>
-            <a:r>
-              <a:rPr lang="en-US" altLang="zh-CN" dirty="0" smtClean="0">
-                <a:solidFill>
-                  <a:schemeClr val="tx1"/>
-                </a:solidFill>
-              </a:rPr>
-              <a:t>B</a:t>
-            </a:r>
-            <a:endParaRPr lang="zh-CN" altLang="en-US" dirty="0">
-              <a:solidFill>
-                <a:schemeClr val="tx1"/>
-              </a:solidFill>
-            </a:endParaRPr>
           </a:p>
         </p:txBody>
       </p:sp>
     </p:spTree>
     <p:extLst>
       <p:ext uri="{BB962C8B-B14F-4D97-AF65-F5344CB8AC3E}">
-        <p14:creationId xmlns:p14="http://schemas.microsoft.com/office/powerpoint/2010/main" val="493912752"/>
+        <p14:creationId xmlns:p14="http://schemas.microsoft.com/office/powerpoint/2010/main" val="3971601241"/>
       </p:ext>
     </p:extLst>
   </p:cSld>
@@ -6803,7 +6803,11 @@
             <a:pPr algn="ctr"/>
             <a:r>
               <a:rPr lang="en-US" altLang="zh-CN" dirty="0" smtClean="0"/>
-              <a:t>Entity Management</a:t>
+              <a:t>Instance </a:t>
+            </a:r>
+            <a:r>
+              <a:rPr lang="en-US" altLang="zh-CN" dirty="0" smtClean="0"/>
+              <a:t>Management</a:t>
             </a:r>
             <a:endParaRPr lang="zh-CN" altLang="en-US" dirty="0"/>
           </a:p>
@@ -6818,7 +6822,7 @@
         <p:spPr>
           <a:xfrm>
             <a:off x="875763" y="1236372"/>
-            <a:ext cx="9684913" cy="923330"/>
+            <a:ext cx="9684913" cy="1200329"/>
           </a:xfrm>
           <a:prstGeom prst="rect">
             <a:avLst/>
@@ -6857,7 +6861,7 @@
             </a:r>
             <a:r>
               <a:rPr lang="en-US" altLang="zh-CN" dirty="0" smtClean="0"/>
-              <a:t> entity has its unique ID, which is a uint32_t data.</a:t>
+              <a:t> instance has its unique ID, which is a uint32_t data.</a:t>
             </a:r>
           </a:p>
           <a:p>
@@ -6866,7 +6870,15 @@
           <a:p>
             <a:r>
               <a:rPr lang="en-US" altLang="zh-CN" dirty="0" smtClean="0"/>
-              <a:t>Every time you want to edit the entity, you check if its ID is in the </a:t>
+              <a:t>Every time you want to edit </a:t>
+            </a:r>
+            <a:r>
+              <a:rPr lang="en-US" altLang="zh-CN" smtClean="0"/>
+              <a:t>the instance, </a:t>
+            </a:r>
+            <a:r>
+              <a:rPr lang="en-US" altLang="zh-CN" dirty="0" smtClean="0"/>
+              <a:t>you check if its ID is in the </a:t>
             </a:r>
             <a:r>
               <a:rPr lang="en-US" altLang="zh-CN" dirty="0" err="1" smtClean="0"/>
@@ -7762,11 +7774,6 @@
               </a:rPr>
               <a:t>process</a:t>
             </a:r>
-            <a:endParaRPr lang="en-US" altLang="zh-CN" dirty="0" smtClean="0">
-              <a:solidFill>
-                <a:schemeClr val="tx1"/>
-              </a:solidFill>
-            </a:endParaRPr>
           </a:p>
         </p:txBody>
       </p:sp>
@@ -8098,11 +8105,6 @@
               </a:rPr>
               <a:t>Input parameters</a:t>
             </a:r>
-            <a:endParaRPr lang="en-US" altLang="zh-CN" dirty="0" smtClean="0">
-              <a:solidFill>
-                <a:schemeClr val="tx1"/>
-              </a:solidFill>
-            </a:endParaRPr>
           </a:p>
         </p:txBody>
       </p:sp>

--- a/架构.pptx
+++ b/架构.pptx
@@ -8,10 +8,9 @@
     <p:sldId id="258" r:id="rId2"/>
     <p:sldId id="259" r:id="rId3"/>
     <p:sldId id="257" r:id="rId4"/>
-    <p:sldId id="260" r:id="rId5"/>
-    <p:sldId id="262" r:id="rId6"/>
-    <p:sldId id="261" r:id="rId7"/>
-    <p:sldId id="256" r:id="rId8"/>
+    <p:sldId id="262" r:id="rId5"/>
+    <p:sldId id="261" r:id="rId6"/>
+    <p:sldId id="256" r:id="rId7"/>
   </p:sldIdLst>
   <p:sldSz cx="12192000" cy="6858000"/>
   <p:notesSz cx="6858000" cy="9144000"/>
@@ -249,7 +248,7 @@
           <a:p>
             <a:fld id="{235C6D35-9F7A-4917-BD4F-A4B635F86530}" type="datetimeFigureOut">
               <a:rPr lang="zh-CN" altLang="en-US" smtClean="0"/>
-              <a:t>2021/3/18</a:t>
+              <a:t>2021/7/20</a:t>
             </a:fld>
             <a:endParaRPr lang="zh-CN" altLang="en-US"/>
           </a:p>
@@ -419,7 +418,7 @@
           <a:p>
             <a:fld id="{235C6D35-9F7A-4917-BD4F-A4B635F86530}" type="datetimeFigureOut">
               <a:rPr lang="zh-CN" altLang="en-US" smtClean="0"/>
-              <a:t>2021/3/18</a:t>
+              <a:t>2021/7/20</a:t>
             </a:fld>
             <a:endParaRPr lang="zh-CN" altLang="en-US"/>
           </a:p>
@@ -599,7 +598,7 @@
           <a:p>
             <a:fld id="{235C6D35-9F7A-4917-BD4F-A4B635F86530}" type="datetimeFigureOut">
               <a:rPr lang="zh-CN" altLang="en-US" smtClean="0"/>
-              <a:t>2021/3/18</a:t>
+              <a:t>2021/7/20</a:t>
             </a:fld>
             <a:endParaRPr lang="zh-CN" altLang="en-US"/>
           </a:p>
@@ -769,7 +768,7 @@
           <a:p>
             <a:fld id="{235C6D35-9F7A-4917-BD4F-A4B635F86530}" type="datetimeFigureOut">
               <a:rPr lang="zh-CN" altLang="en-US" smtClean="0"/>
-              <a:t>2021/3/18</a:t>
+              <a:t>2021/7/20</a:t>
             </a:fld>
             <a:endParaRPr lang="zh-CN" altLang="en-US"/>
           </a:p>
@@ -1015,7 +1014,7 @@
           <a:p>
             <a:fld id="{235C6D35-9F7A-4917-BD4F-A4B635F86530}" type="datetimeFigureOut">
               <a:rPr lang="zh-CN" altLang="en-US" smtClean="0"/>
-              <a:t>2021/3/18</a:t>
+              <a:t>2021/7/20</a:t>
             </a:fld>
             <a:endParaRPr lang="zh-CN" altLang="en-US"/>
           </a:p>
@@ -1247,7 +1246,7 @@
           <a:p>
             <a:fld id="{235C6D35-9F7A-4917-BD4F-A4B635F86530}" type="datetimeFigureOut">
               <a:rPr lang="zh-CN" altLang="en-US" smtClean="0"/>
-              <a:t>2021/3/18</a:t>
+              <a:t>2021/7/20</a:t>
             </a:fld>
             <a:endParaRPr lang="zh-CN" altLang="en-US"/>
           </a:p>
@@ -1614,7 +1613,7 @@
           <a:p>
             <a:fld id="{235C6D35-9F7A-4917-BD4F-A4B635F86530}" type="datetimeFigureOut">
               <a:rPr lang="zh-CN" altLang="en-US" smtClean="0"/>
-              <a:t>2021/3/18</a:t>
+              <a:t>2021/7/20</a:t>
             </a:fld>
             <a:endParaRPr lang="zh-CN" altLang="en-US"/>
           </a:p>
@@ -1732,7 +1731,7 @@
           <a:p>
             <a:fld id="{235C6D35-9F7A-4917-BD4F-A4B635F86530}" type="datetimeFigureOut">
               <a:rPr lang="zh-CN" altLang="en-US" smtClean="0"/>
-              <a:t>2021/3/18</a:t>
+              <a:t>2021/7/20</a:t>
             </a:fld>
             <a:endParaRPr lang="zh-CN" altLang="en-US"/>
           </a:p>
@@ -1827,7 +1826,7 @@
           <a:p>
             <a:fld id="{235C6D35-9F7A-4917-BD4F-A4B635F86530}" type="datetimeFigureOut">
               <a:rPr lang="zh-CN" altLang="en-US" smtClean="0"/>
-              <a:t>2021/3/18</a:t>
+              <a:t>2021/7/20</a:t>
             </a:fld>
             <a:endParaRPr lang="zh-CN" altLang="en-US"/>
           </a:p>
@@ -2104,7 +2103,7 @@
           <a:p>
             <a:fld id="{235C6D35-9F7A-4917-BD4F-A4B635F86530}" type="datetimeFigureOut">
               <a:rPr lang="zh-CN" altLang="en-US" smtClean="0"/>
-              <a:t>2021/3/18</a:t>
+              <a:t>2021/7/20</a:t>
             </a:fld>
             <a:endParaRPr lang="zh-CN" altLang="en-US"/>
           </a:p>
@@ -2357,7 +2356,7 @@
           <a:p>
             <a:fld id="{235C6D35-9F7A-4917-BD4F-A4B635F86530}" type="datetimeFigureOut">
               <a:rPr lang="zh-CN" altLang="en-US" smtClean="0"/>
-              <a:t>2021/3/18</a:t>
+              <a:t>2021/7/20</a:t>
             </a:fld>
             <a:endParaRPr lang="zh-CN" altLang="en-US"/>
           </a:p>
@@ -2570,7 +2569,7 @@
           <a:p>
             <a:fld id="{235C6D35-9F7A-4917-BD4F-A4B635F86530}" type="datetimeFigureOut">
               <a:rPr lang="zh-CN" altLang="en-US" smtClean="0"/>
-              <a:t>2021/3/18</a:t>
+              <a:t>2021/7/20</a:t>
             </a:fld>
             <a:endParaRPr lang="zh-CN" altLang="en-US"/>
           </a:p>
@@ -6285,7 +6284,7 @@
             <a:pPr algn="ctr"/>
             <a:r>
               <a:rPr lang="en-US" altLang="zh-CN" dirty="0" smtClean="0"/>
-              <a:t>GUI</a:t>
+              <a:t>Entity Management</a:t>
             </a:r>
             <a:endParaRPr lang="zh-CN" altLang="en-US" dirty="0"/>
           </a:p>
@@ -6293,445 +6292,70 @@
       </p:sp>
       <p:sp>
         <p:nvSpPr>
-          <p:cNvPr id="5" name="流程图: 可选过程 4"/>
-          <p:cNvSpPr/>
-          <p:nvPr/>
-        </p:nvSpPr>
-        <p:spPr>
-          <a:xfrm>
-            <a:off x="0" y="2273115"/>
-            <a:ext cx="2157211" cy="907963"/>
-          </a:xfrm>
-          <a:prstGeom prst="flowChartAlternateProcess">
-            <a:avLst/>
-          </a:prstGeom>
-        </p:spPr>
-        <p:style>
-          <a:lnRef idx="2">
-            <a:schemeClr val="accent1">
-              <a:shade val="50000"/>
-            </a:schemeClr>
-          </a:lnRef>
-          <a:fillRef idx="1">
-            <a:schemeClr val="accent1"/>
-          </a:fillRef>
-          <a:effectRef idx="0">
-            <a:schemeClr val="accent1"/>
-          </a:effectRef>
-          <a:fontRef idx="minor">
-            <a:schemeClr val="lt1"/>
-          </a:fontRef>
-        </p:style>
-        <p:txBody>
-          <a:bodyPr rtlCol="0" anchor="ctr"/>
-          <a:lstStyle/>
-          <a:p>
-            <a:pPr algn="ctr"/>
+          <p:cNvPr id="3" name="文本框 2"/>
+          <p:cNvSpPr txBox="1"/>
+          <p:nvPr/>
+        </p:nvSpPr>
+        <p:spPr>
+          <a:xfrm>
+            <a:off x="875763" y="1236372"/>
+            <a:ext cx="9684913" cy="923330"/>
+          </a:xfrm>
+          <a:prstGeom prst="rect">
+            <a:avLst/>
+          </a:prstGeom>
+          <a:noFill/>
+        </p:spPr>
+        <p:txBody>
+          <a:bodyPr wrap="square" rtlCol="0">
+            <a:spAutoFit/>
+          </a:bodyPr>
+          <a:lstStyle/>
+          <a:p>
             <a:r>
               <a:rPr lang="en-US" altLang="zh-CN" dirty="0" smtClean="0"/>
-              <a:t>C++</a:t>
-            </a:r>
-          </a:p>
-          <a:p>
-            <a:pPr algn="ctr"/>
+              <a:t>Every class </a:t>
+            </a:r>
             <a:r>
               <a:rPr lang="en-US" altLang="zh-CN" dirty="0" err="1" smtClean="0"/>
-              <a:t>GUI.onRender</a:t>
+              <a:t>drived</a:t>
             </a:r>
             <a:r>
               <a:rPr lang="en-US" altLang="zh-CN" dirty="0" smtClean="0"/>
-              <a:t>()</a:t>
-            </a:r>
-            <a:endParaRPr lang="zh-CN" altLang="en-US" dirty="0"/>
-          </a:p>
-        </p:txBody>
-      </p:sp>
-      <p:sp>
-        <p:nvSpPr>
-          <p:cNvPr id="7" name="流程图: 可选过程 6"/>
-          <p:cNvSpPr/>
-          <p:nvPr/>
-        </p:nvSpPr>
-        <p:spPr>
-          <a:xfrm>
-            <a:off x="5082862" y="2273118"/>
-            <a:ext cx="2157211" cy="907961"/>
-          </a:xfrm>
-          <a:prstGeom prst="flowChartAlternateProcess">
-            <a:avLst/>
-          </a:prstGeom>
-        </p:spPr>
-        <p:style>
-          <a:lnRef idx="2">
-            <a:schemeClr val="accent1">
-              <a:shade val="50000"/>
-            </a:schemeClr>
-          </a:lnRef>
-          <a:fillRef idx="1">
-            <a:schemeClr val="accent1"/>
-          </a:fillRef>
-          <a:effectRef idx="0">
-            <a:schemeClr val="accent1"/>
-          </a:effectRef>
-          <a:fontRef idx="minor">
-            <a:schemeClr val="lt1"/>
-          </a:fontRef>
-        </p:style>
-        <p:txBody>
-          <a:bodyPr rtlCol="0" anchor="ctr"/>
-          <a:lstStyle/>
-          <a:p>
-            <a:pPr algn="ctr"/>
+              <a:t> from </a:t>
+            </a:r>
+            <a:r>
+              <a:rPr lang="en-US" altLang="zh-CN" dirty="0" err="1" smtClean="0"/>
+              <a:t>HObject</a:t>
+            </a:r>
             <a:r>
               <a:rPr lang="en-US" altLang="zh-CN" dirty="0" smtClean="0"/>
-              <a:t>C#</a:t>
-            </a:r>
-          </a:p>
-          <a:p>
-            <a:pPr algn="ctr"/>
+              <a:t>. Every </a:t>
+            </a:r>
             <a:r>
               <a:rPr lang="en-US" altLang="zh-CN" dirty="0" err="1" smtClean="0"/>
-              <a:t>GUI.onRender</a:t>
+              <a:t>HObject</a:t>
             </a:r>
             <a:r>
               <a:rPr lang="en-US" altLang="zh-CN" dirty="0" smtClean="0"/>
-              <a:t>()</a:t>
-            </a:r>
-            <a:endParaRPr lang="zh-CN" altLang="en-US" dirty="0"/>
-          </a:p>
-        </p:txBody>
-      </p:sp>
-      <p:cxnSp>
-        <p:nvCxnSpPr>
-          <p:cNvPr id="9" name="直接箭头连接符 8"/>
-          <p:cNvCxnSpPr>
-            <a:stCxn id="5" idx="3"/>
-            <a:endCxn id="7" idx="1"/>
-          </p:cNvCxnSpPr>
-          <p:nvPr/>
-        </p:nvCxnSpPr>
-        <p:spPr>
-          <a:xfrm>
-            <a:off x="2157211" y="2727097"/>
-            <a:ext cx="2925651" cy="2"/>
-          </a:xfrm>
-          <a:prstGeom prst="straightConnector1">
-            <a:avLst/>
-          </a:prstGeom>
-          <a:ln>
-            <a:tailEnd type="triangle"/>
-          </a:ln>
-        </p:spPr>
-        <p:style>
-          <a:lnRef idx="1">
-            <a:schemeClr val="accent1"/>
-          </a:lnRef>
-          <a:fillRef idx="0">
-            <a:schemeClr val="accent1"/>
-          </a:fillRef>
-          <a:effectRef idx="0">
-            <a:schemeClr val="accent1"/>
-          </a:effectRef>
-          <a:fontRef idx="minor">
-            <a:schemeClr val="tx1"/>
-          </a:fontRef>
-        </p:style>
-      </p:cxnSp>
-      <p:sp>
-        <p:nvSpPr>
-          <p:cNvPr id="11" name="流程图: 可选过程 10"/>
-          <p:cNvSpPr/>
-          <p:nvPr/>
-        </p:nvSpPr>
-        <p:spPr>
-          <a:xfrm>
-            <a:off x="3015802" y="2616552"/>
-            <a:ext cx="880058" cy="221090"/>
-          </a:xfrm>
-          <a:prstGeom prst="flowChartAlternateProcess">
-            <a:avLst/>
-          </a:prstGeom>
-        </p:spPr>
-        <p:style>
-          <a:lnRef idx="2">
-            <a:schemeClr val="dk1"/>
-          </a:lnRef>
-          <a:fillRef idx="1">
-            <a:schemeClr val="lt1"/>
-          </a:fillRef>
-          <a:effectRef idx="0">
-            <a:schemeClr val="dk1"/>
-          </a:effectRef>
-          <a:fontRef idx="minor">
-            <a:schemeClr val="dk1"/>
-          </a:fontRef>
-        </p:style>
-        <p:txBody>
-          <a:bodyPr rtlCol="0" anchor="ctr"/>
-          <a:lstStyle/>
-          <a:p>
-            <a:pPr algn="ctr"/>
+              <a:t> entity has its unique ID, which is a uint32_t data.</a:t>
+            </a:r>
+          </a:p>
+          <a:p>
+            <a:endParaRPr lang="en-US" altLang="zh-CN" dirty="0"/>
+          </a:p>
+          <a:p>
             <a:r>
               <a:rPr lang="en-US" altLang="zh-CN" dirty="0" smtClean="0"/>
-              <a:t>invoke</a:t>
-            </a:r>
-            <a:endParaRPr lang="zh-CN" altLang="en-US" dirty="0"/>
-          </a:p>
-        </p:txBody>
-      </p:sp>
-      <p:sp>
-        <p:nvSpPr>
-          <p:cNvPr id="14" name="流程图: 可选过程 13"/>
-          <p:cNvSpPr/>
-          <p:nvPr/>
-        </p:nvSpPr>
-        <p:spPr>
-          <a:xfrm>
-            <a:off x="10034789" y="2273118"/>
-            <a:ext cx="2157211" cy="907961"/>
-          </a:xfrm>
-          <a:prstGeom prst="flowChartAlternateProcess">
-            <a:avLst/>
-          </a:prstGeom>
-        </p:spPr>
-        <p:style>
-          <a:lnRef idx="2">
-            <a:schemeClr val="accent1">
-              <a:shade val="50000"/>
-            </a:schemeClr>
-          </a:lnRef>
-          <a:fillRef idx="1">
-            <a:schemeClr val="accent1"/>
-          </a:fillRef>
-          <a:effectRef idx="0">
-            <a:schemeClr val="accent1"/>
-          </a:effectRef>
-          <a:fontRef idx="minor">
-            <a:schemeClr val="lt1"/>
-          </a:fontRef>
-        </p:style>
-        <p:txBody>
-          <a:bodyPr rtlCol="0" anchor="ctr"/>
-          <a:lstStyle/>
-          <a:p>
-            <a:pPr algn="ctr"/>
+              <a:t>Every time you want to edit the entity, you check if its ID is in the </a:t>
+            </a:r>
+            <a:r>
+              <a:rPr lang="en-US" altLang="zh-CN" dirty="0" err="1" smtClean="0"/>
+              <a:t>hashtable</a:t>
+            </a:r>
             <a:r>
               <a:rPr lang="en-US" altLang="zh-CN" dirty="0" smtClean="0"/>
-              <a:t>C++</a:t>
-            </a:r>
-          </a:p>
-          <a:p>
-            <a:pPr algn="ctr"/>
-            <a:r>
-              <a:rPr lang="en-US" altLang="zh-CN" dirty="0" smtClean="0"/>
-              <a:t>Everything</a:t>
-            </a:r>
-            <a:endParaRPr lang="zh-CN" altLang="en-US" dirty="0"/>
-          </a:p>
-        </p:txBody>
-      </p:sp>
-      <p:cxnSp>
-        <p:nvCxnSpPr>
-          <p:cNvPr id="16" name="直接箭头连接符 15"/>
-          <p:cNvCxnSpPr>
-            <a:stCxn id="7" idx="3"/>
-            <a:endCxn id="14" idx="1"/>
-          </p:cNvCxnSpPr>
-          <p:nvPr/>
-        </p:nvCxnSpPr>
-        <p:spPr>
-          <a:xfrm>
-            <a:off x="7240073" y="2727099"/>
-            <a:ext cx="2794716" cy="0"/>
-          </a:xfrm>
-          <a:prstGeom prst="straightConnector1">
-            <a:avLst/>
-          </a:prstGeom>
-          <a:ln>
-            <a:tailEnd type="triangle"/>
-          </a:ln>
-        </p:spPr>
-        <p:style>
-          <a:lnRef idx="1">
-            <a:schemeClr val="accent1"/>
-          </a:lnRef>
-          <a:fillRef idx="0">
-            <a:schemeClr val="accent1"/>
-          </a:fillRef>
-          <a:effectRef idx="0">
-            <a:schemeClr val="accent1"/>
-          </a:effectRef>
-          <a:fontRef idx="minor">
-            <a:schemeClr val="tx1"/>
-          </a:fontRef>
-        </p:style>
-      </p:cxnSp>
-      <p:sp>
-        <p:nvSpPr>
-          <p:cNvPr id="15" name="流程图: 可选过程 14"/>
-          <p:cNvSpPr/>
-          <p:nvPr/>
-        </p:nvSpPr>
-        <p:spPr>
-          <a:xfrm>
-            <a:off x="8060029" y="2338586"/>
-            <a:ext cx="1217055" cy="777022"/>
-          </a:xfrm>
-          <a:prstGeom prst="flowChartAlternateProcess">
-            <a:avLst/>
-          </a:prstGeom>
-        </p:spPr>
-        <p:style>
-          <a:lnRef idx="2">
-            <a:schemeClr val="dk1"/>
-          </a:lnRef>
-          <a:fillRef idx="1">
-            <a:schemeClr val="lt1"/>
-          </a:fillRef>
-          <a:effectRef idx="0">
-            <a:schemeClr val="dk1"/>
-          </a:effectRef>
-          <a:fontRef idx="minor">
-            <a:schemeClr val="dk1"/>
-          </a:fontRef>
-        </p:style>
-        <p:txBody>
-          <a:bodyPr rtlCol="0" anchor="ctr"/>
-          <a:lstStyle/>
-          <a:p>
-            <a:pPr algn="ctr"/>
-            <a:r>
-              <a:rPr lang="en-US" altLang="zh-CN" dirty="0" smtClean="0"/>
-              <a:t>read info and </a:t>
-            </a:r>
-          </a:p>
-          <a:p>
-            <a:pPr algn="ctr"/>
-            <a:r>
-              <a:rPr lang="en-US" altLang="zh-CN" dirty="0" smtClean="0"/>
-              <a:t>invoke</a:t>
-            </a:r>
-            <a:endParaRPr lang="zh-CN" altLang="en-US" dirty="0"/>
-          </a:p>
-        </p:txBody>
-      </p:sp>
-      <p:sp>
-        <p:nvSpPr>
-          <p:cNvPr id="28" name="流程图: 可选过程 27"/>
-          <p:cNvSpPr/>
-          <p:nvPr/>
-        </p:nvSpPr>
-        <p:spPr>
-          <a:xfrm>
-            <a:off x="5082862" y="4466820"/>
-            <a:ext cx="2157211" cy="907961"/>
-          </a:xfrm>
-          <a:prstGeom prst="flowChartAlternateProcess">
-            <a:avLst/>
-          </a:prstGeom>
-        </p:spPr>
-        <p:style>
-          <a:lnRef idx="2">
-            <a:schemeClr val="accent1">
-              <a:shade val="50000"/>
-            </a:schemeClr>
-          </a:lnRef>
-          <a:fillRef idx="1">
-            <a:schemeClr val="accent1"/>
-          </a:fillRef>
-          <a:effectRef idx="0">
-            <a:schemeClr val="accent1"/>
-          </a:effectRef>
-          <a:fontRef idx="minor">
-            <a:schemeClr val="lt1"/>
-          </a:fontRef>
-        </p:style>
-        <p:txBody>
-          <a:bodyPr rtlCol="0" anchor="ctr"/>
-          <a:lstStyle/>
-          <a:p>
-            <a:pPr algn="ctr"/>
-            <a:r>
-              <a:rPr lang="en-US" altLang="zh-CN" dirty="0" smtClean="0"/>
-              <a:t>files</a:t>
-            </a:r>
-            <a:endParaRPr lang="zh-CN" altLang="en-US" dirty="0"/>
-          </a:p>
-        </p:txBody>
-      </p:sp>
-      <p:cxnSp>
-        <p:nvCxnSpPr>
-          <p:cNvPr id="29" name="直接箭头连接符 28"/>
-          <p:cNvCxnSpPr>
-            <a:stCxn id="7" idx="2"/>
-            <a:endCxn id="28" idx="0"/>
-          </p:cNvCxnSpPr>
-          <p:nvPr/>
-        </p:nvCxnSpPr>
-        <p:spPr>
-          <a:xfrm>
-            <a:off x="6161468" y="3181079"/>
-            <a:ext cx="0" cy="1285741"/>
-          </a:xfrm>
-          <a:prstGeom prst="straightConnector1">
-            <a:avLst/>
-          </a:prstGeom>
-          <a:ln>
-            <a:tailEnd type="triangle"/>
-          </a:ln>
-        </p:spPr>
-        <p:style>
-          <a:lnRef idx="1">
-            <a:schemeClr val="accent1"/>
-          </a:lnRef>
-          <a:fillRef idx="0">
-            <a:schemeClr val="accent1"/>
-          </a:fillRef>
-          <a:effectRef idx="0">
-            <a:schemeClr val="accent1"/>
-          </a:effectRef>
-          <a:fontRef idx="minor">
-            <a:schemeClr val="tx1"/>
-          </a:fontRef>
-        </p:style>
-      </p:cxnSp>
-      <p:sp>
-        <p:nvSpPr>
-          <p:cNvPr id="32" name="流程图: 可选过程 31"/>
-          <p:cNvSpPr/>
-          <p:nvPr/>
-        </p:nvSpPr>
-        <p:spPr>
-          <a:xfrm>
-            <a:off x="5721439" y="3526658"/>
-            <a:ext cx="880058" cy="562382"/>
-          </a:xfrm>
-          <a:prstGeom prst="flowChartAlternateProcess">
-            <a:avLst/>
-          </a:prstGeom>
-        </p:spPr>
-        <p:style>
-          <a:lnRef idx="2">
-            <a:schemeClr val="dk1"/>
-          </a:lnRef>
-          <a:fillRef idx="1">
-            <a:schemeClr val="lt1"/>
-          </a:fillRef>
-          <a:effectRef idx="0">
-            <a:schemeClr val="dk1"/>
-          </a:effectRef>
-          <a:fontRef idx="minor">
-            <a:schemeClr val="dk1"/>
-          </a:fontRef>
-        </p:style>
-        <p:txBody>
-          <a:bodyPr rtlCol="0" anchor="ctr"/>
-          <a:lstStyle/>
-          <a:p>
-            <a:pPr algn="ctr"/>
-            <a:r>
-              <a:rPr lang="en-US" altLang="zh-CN" dirty="0" smtClean="0"/>
-              <a:t>read info</a:t>
+              <a:t>.</a:t>
             </a:r>
             <a:endParaRPr lang="zh-CN" altLang="en-US" dirty="0"/>
           </a:p>
@@ -6740,7 +6364,7 @@
     </p:spTree>
     <p:extLst>
       <p:ext uri="{BB962C8B-B14F-4D97-AF65-F5344CB8AC3E}">
-        <p14:creationId xmlns:p14="http://schemas.microsoft.com/office/powerpoint/2010/main" val="3971601241"/>
+        <p14:creationId xmlns:p14="http://schemas.microsoft.com/office/powerpoint/2010/main" val="2684487326"/>
       </p:ext>
     </p:extLst>
   </p:cSld>
@@ -6775,161 +6399,6 @@
         </p:nvSpPr>
         <p:spPr>
           <a:xfrm>
-            <a:off x="0" y="0"/>
-            <a:ext cx="1609859" cy="714777"/>
-          </a:xfrm>
-          <a:prstGeom prst="rect">
-            <a:avLst/>
-          </a:prstGeom>
-        </p:spPr>
-        <p:style>
-          <a:lnRef idx="0">
-            <a:schemeClr val="accent2"/>
-          </a:lnRef>
-          <a:fillRef idx="3">
-            <a:schemeClr val="accent2"/>
-          </a:fillRef>
-          <a:effectRef idx="3">
-            <a:schemeClr val="accent2"/>
-          </a:effectRef>
-          <a:fontRef idx="minor">
-            <a:schemeClr val="lt1"/>
-          </a:fontRef>
-        </p:style>
-        <p:txBody>
-          <a:bodyPr rtlCol="0" anchor="ctr"/>
-          <a:lstStyle/>
-          <a:p>
-            <a:pPr algn="ctr"/>
-            <a:r>
-              <a:rPr lang="en-US" altLang="zh-CN" dirty="0" smtClean="0"/>
-              <a:t>Instance </a:t>
-            </a:r>
-            <a:r>
-              <a:rPr lang="en-US" altLang="zh-CN" dirty="0" smtClean="0"/>
-              <a:t>Management</a:t>
-            </a:r>
-            <a:endParaRPr lang="zh-CN" altLang="en-US" dirty="0"/>
-          </a:p>
-        </p:txBody>
-      </p:sp>
-      <p:sp>
-        <p:nvSpPr>
-          <p:cNvPr id="3" name="文本框 2"/>
-          <p:cNvSpPr txBox="1"/>
-          <p:nvPr/>
-        </p:nvSpPr>
-        <p:spPr>
-          <a:xfrm>
-            <a:off x="875763" y="1236372"/>
-            <a:ext cx="9684913" cy="1200329"/>
-          </a:xfrm>
-          <a:prstGeom prst="rect">
-            <a:avLst/>
-          </a:prstGeom>
-          <a:noFill/>
-        </p:spPr>
-        <p:txBody>
-          <a:bodyPr wrap="square" rtlCol="0">
-            <a:spAutoFit/>
-          </a:bodyPr>
-          <a:lstStyle/>
-          <a:p>
-            <a:r>
-              <a:rPr lang="en-US" altLang="zh-CN" dirty="0" smtClean="0"/>
-              <a:t>Every class </a:t>
-            </a:r>
-            <a:r>
-              <a:rPr lang="en-US" altLang="zh-CN" dirty="0" err="1" smtClean="0"/>
-              <a:t>drived</a:t>
-            </a:r>
-            <a:r>
-              <a:rPr lang="en-US" altLang="zh-CN" dirty="0" smtClean="0"/>
-              <a:t> from </a:t>
-            </a:r>
-            <a:r>
-              <a:rPr lang="en-US" altLang="zh-CN" dirty="0" err="1" smtClean="0"/>
-              <a:t>HObject</a:t>
-            </a:r>
-            <a:r>
-              <a:rPr lang="en-US" altLang="zh-CN" dirty="0" smtClean="0"/>
-              <a:t>. Every </a:t>
-            </a:r>
-            <a:r>
-              <a:rPr lang="en-US" altLang="zh-CN" dirty="0" err="1" smtClean="0"/>
-              <a:t>HObject</a:t>
-            </a:r>
-            <a:r>
-              <a:rPr lang="en-US" altLang="zh-CN" dirty="0" smtClean="0"/>
-              <a:t> instance has its unique ID, which is a uint32_t data.</a:t>
-            </a:r>
-          </a:p>
-          <a:p>
-            <a:endParaRPr lang="en-US" altLang="zh-CN" dirty="0"/>
-          </a:p>
-          <a:p>
-            <a:r>
-              <a:rPr lang="en-US" altLang="zh-CN" dirty="0" smtClean="0"/>
-              <a:t>Every time you want to edit </a:t>
-            </a:r>
-            <a:r>
-              <a:rPr lang="en-US" altLang="zh-CN" smtClean="0"/>
-              <a:t>the instance, </a:t>
-            </a:r>
-            <a:r>
-              <a:rPr lang="en-US" altLang="zh-CN" dirty="0" smtClean="0"/>
-              <a:t>you check if its ID is in the </a:t>
-            </a:r>
-            <a:r>
-              <a:rPr lang="en-US" altLang="zh-CN" dirty="0" err="1" smtClean="0"/>
-              <a:t>hashtable</a:t>
-            </a:r>
-            <a:r>
-              <a:rPr lang="en-US" altLang="zh-CN" dirty="0" smtClean="0"/>
-              <a:t>.</a:t>
-            </a:r>
-            <a:endParaRPr lang="zh-CN" altLang="en-US" dirty="0"/>
-          </a:p>
-        </p:txBody>
-      </p:sp>
-    </p:spTree>
-    <p:extLst>
-      <p:ext uri="{BB962C8B-B14F-4D97-AF65-F5344CB8AC3E}">
-        <p14:creationId xmlns:p14="http://schemas.microsoft.com/office/powerpoint/2010/main" val="2684487326"/>
-      </p:ext>
-    </p:extLst>
-  </p:cSld>
-  <p:clrMapOvr>
-    <a:masterClrMapping/>
-  </p:clrMapOvr>
-</p:sld>
-</file>
-
-<file path=ppt/slides/slide6.xml><?xml version="1.0" encoding="utf-8"?>
-<p:sld xmlns:a="http://schemas.openxmlformats.org/drawingml/2006/main" xmlns:r="http://schemas.openxmlformats.org/officeDocument/2006/relationships" xmlns:p="http://schemas.openxmlformats.org/presentationml/2006/main">
-  <p:cSld>
-    <p:spTree>
-      <p:nvGrpSpPr>
-        <p:cNvPr id="1" name=""/>
-        <p:cNvGrpSpPr/>
-        <p:nvPr/>
-      </p:nvGrpSpPr>
-      <p:grpSpPr>
-        <a:xfrm>
-          <a:off x="0" y="0"/>
-          <a:ext cx="0" cy="0"/>
-          <a:chOff x="0" y="0"/>
-          <a:chExt cx="0" cy="0"/>
-        </a:xfrm>
-      </p:grpSpPr>
-      <p:sp>
-        <p:nvSpPr>
-          <p:cNvPr id="6" name="矩形 5"/>
-          <p:cNvSpPr/>
-          <p:nvPr/>
-        </p:nvSpPr>
-        <p:spPr>
-          <a:xfrm>
             <a:off x="1140853" y="2292434"/>
             <a:ext cx="1925391" cy="1403797"/>
           </a:xfrm>
@@ -8247,7 +7716,7 @@
 </p:sld>
 </file>
 
-<file path=ppt/slides/slide7.xml><?xml version="1.0" encoding="utf-8"?>
+<file path=ppt/slides/slide6.xml><?xml version="1.0" encoding="utf-8"?>
 <p:sld xmlns:a="http://schemas.openxmlformats.org/drawingml/2006/main" xmlns:r="http://schemas.openxmlformats.org/officeDocument/2006/relationships" xmlns:p="http://schemas.openxmlformats.org/presentationml/2006/main">
   <p:cSld>
     <p:spTree>
